--- a/236802/ARL presentation.pptx
+++ b/236802/ARL presentation.pptx
@@ -300,7 +300,7 @@
           <a:p>
             <a:fld id="{2942B52E-AAA8-43C8-B328-AD22BB1092E1}" type="datetimeFigureOut">
               <a:rPr lang="en-US" smtClean="0"/>
-              <a:t>6/6/21</a:t>
+              <a:t>6/9/21</a:t>
             </a:fld>
             <a:endParaRPr lang="en-US"/>
           </a:p>
@@ -500,7 +500,7 @@
           <a:p>
             <a:fld id="{2942B52E-AAA8-43C8-B328-AD22BB1092E1}" type="datetimeFigureOut">
               <a:rPr lang="en-US" smtClean="0"/>
-              <a:t>6/6/21</a:t>
+              <a:t>6/9/21</a:t>
             </a:fld>
             <a:endParaRPr lang="en-US"/>
           </a:p>
@@ -710,7 +710,7 @@
           <a:p>
             <a:fld id="{2942B52E-AAA8-43C8-B328-AD22BB1092E1}" type="datetimeFigureOut">
               <a:rPr lang="en-US" smtClean="0"/>
-              <a:t>6/6/21</a:t>
+              <a:t>6/9/21</a:t>
             </a:fld>
             <a:endParaRPr lang="en-US"/>
           </a:p>
@@ -910,7 +910,7 @@
           <a:p>
             <a:fld id="{2942B52E-AAA8-43C8-B328-AD22BB1092E1}" type="datetimeFigureOut">
               <a:rPr lang="en-US" smtClean="0"/>
-              <a:t>6/6/21</a:t>
+              <a:t>6/9/21</a:t>
             </a:fld>
             <a:endParaRPr lang="en-US"/>
           </a:p>
@@ -1186,7 +1186,7 @@
           <a:p>
             <a:fld id="{2942B52E-AAA8-43C8-B328-AD22BB1092E1}" type="datetimeFigureOut">
               <a:rPr lang="en-US" smtClean="0"/>
-              <a:t>6/6/21</a:t>
+              <a:t>6/9/21</a:t>
             </a:fld>
             <a:endParaRPr lang="en-US"/>
           </a:p>
@@ -1454,7 +1454,7 @@
           <a:p>
             <a:fld id="{2942B52E-AAA8-43C8-B328-AD22BB1092E1}" type="datetimeFigureOut">
               <a:rPr lang="en-US" smtClean="0"/>
-              <a:t>6/6/21</a:t>
+              <a:t>6/9/21</a:t>
             </a:fld>
             <a:endParaRPr lang="en-US"/>
           </a:p>
@@ -1869,7 +1869,7 @@
           <a:p>
             <a:fld id="{2942B52E-AAA8-43C8-B328-AD22BB1092E1}" type="datetimeFigureOut">
               <a:rPr lang="en-US" smtClean="0"/>
-              <a:t>6/6/21</a:t>
+              <a:t>6/9/21</a:t>
             </a:fld>
             <a:endParaRPr lang="en-US"/>
           </a:p>
@@ -2011,7 +2011,7 @@
           <a:p>
             <a:fld id="{2942B52E-AAA8-43C8-B328-AD22BB1092E1}" type="datetimeFigureOut">
               <a:rPr lang="en-US" smtClean="0"/>
-              <a:t>6/6/21</a:t>
+              <a:t>6/9/21</a:t>
             </a:fld>
             <a:endParaRPr lang="en-US"/>
           </a:p>
@@ -2124,7 +2124,7 @@
           <a:p>
             <a:fld id="{2942B52E-AAA8-43C8-B328-AD22BB1092E1}" type="datetimeFigureOut">
               <a:rPr lang="en-US" smtClean="0"/>
-              <a:t>6/6/21</a:t>
+              <a:t>6/9/21</a:t>
             </a:fld>
             <a:endParaRPr lang="en-US"/>
           </a:p>
@@ -2437,7 +2437,7 @@
           <a:p>
             <a:fld id="{2942B52E-AAA8-43C8-B328-AD22BB1092E1}" type="datetimeFigureOut">
               <a:rPr lang="en-US" smtClean="0"/>
-              <a:t>6/6/21</a:t>
+              <a:t>6/9/21</a:t>
             </a:fld>
             <a:endParaRPr lang="en-US"/>
           </a:p>
@@ -2726,7 +2726,7 @@
           <a:p>
             <a:fld id="{2942B52E-AAA8-43C8-B328-AD22BB1092E1}" type="datetimeFigureOut">
               <a:rPr lang="en-US" smtClean="0"/>
-              <a:t>6/6/21</a:t>
+              <a:t>6/9/21</a:t>
             </a:fld>
             <a:endParaRPr lang="en-US"/>
           </a:p>
@@ -2969,7 +2969,7 @@
           <a:p>
             <a:fld id="{2942B52E-AAA8-43C8-B328-AD22BB1092E1}" type="datetimeFigureOut">
               <a:rPr lang="en-US" smtClean="0"/>
-              <a:t>6/6/21</a:t>
+              <a:t>6/9/21</a:t>
             </a:fld>
             <a:endParaRPr lang="en-US"/>
           </a:p>
@@ -3518,8 +3518,8 @@
           </a:p>
         </p:txBody>
       </p:sp>
-      <mc:AlternateContent xmlns:mc="http://schemas.openxmlformats.org/markup-compatibility/2006">
-        <mc:Choice xmlns:a14="http://schemas.microsoft.com/office/drawing/2010/main" Requires="a14">
+      <mc:AlternateContent xmlns:mc="http://schemas.openxmlformats.org/markup-compatibility/2006" xmlns:a14="http://schemas.microsoft.com/office/drawing/2010/main">
+        <mc:Choice Requires="a14">
           <p:sp>
             <p:nvSpPr>
               <p:cNvPr id="3" name="Content Placeholder 2">
@@ -4086,14 +4086,7 @@
                             <a:latin typeface="Cambria Math" panose="02040503050406030204" pitchFamily="18" charset="0"/>
                             <a:ea typeface="Cambria Math" panose="02040503050406030204" pitchFamily="18" charset="0"/>
                           </a:rPr>
-                          <m:t>,</m:t>
-                        </m:r>
-                        <m:r>
-                          <a:rPr lang="en-US" i="1">
-                            <a:latin typeface="Cambria Math" panose="02040503050406030204" pitchFamily="18" charset="0"/>
-                            <a:ea typeface="Cambria Math" panose="02040503050406030204" pitchFamily="18" charset="0"/>
-                          </a:rPr>
-                          <m:t>ℓ</m:t>
+                          <m:t>,ℓ</m:t>
                         </m:r>
                         <m:d>
                           <m:dPr>
@@ -4253,7 +4246,7 @@
             </p:txBody>
           </p:sp>
         </mc:Choice>
-        <mc:Fallback>
+        <mc:Fallback xmlns="">
           <p:sp>
             <p:nvSpPr>
               <p:cNvPr id="3" name="Content Placeholder 2">
@@ -4384,17 +4377,25 @@
             </a:pPr>
             <a:r>
               <a:rPr lang="en-IL" dirty="0"/>
-              <a:t>Results averaged over 20 seeds.</a:t>
+              <a:t>Results averaged </a:t>
+            </a:r>
+            <a:r>
+              <a:rPr lang="en-IL"/>
+              <a:t>over 15 </a:t>
+            </a:r>
+            <a:r>
+              <a:rPr lang="en-IL" dirty="0"/>
+              <a:t>seeds.</a:t>
             </a:r>
           </a:p>
         </p:txBody>
       </p:sp>
       <p:pic>
         <p:nvPicPr>
-          <p:cNvPr id="5" name="Picture 4" descr="Table&#10;&#10;Description automatically generated">
+          <p:cNvPr id="11" name="Picture 10" descr="Table&#10;&#10;Description automatically generated">
             <a:extLst>
               <a:ext uri="{FF2B5EF4-FFF2-40B4-BE49-F238E27FC236}">
-                <a16:creationId xmlns:a16="http://schemas.microsoft.com/office/drawing/2014/main" id="{1EE33A5A-1F1E-6C42-8A1E-DE206C435DD9}"/>
+                <a16:creationId xmlns:a16="http://schemas.microsoft.com/office/drawing/2014/main" id="{1E342383-CCBE-9545-A135-0BA73B982E01}"/>
               </a:ext>
             </a:extLst>
           </p:cNvPr>
@@ -4403,7 +4404,7 @@
           </p:cNvPicPr>
           <p:nvPr/>
         </p:nvPicPr>
-        <p:blipFill>
+        <p:blipFill rotWithShape="1">
           <a:blip r:embed="rId2">
             <a:extLst>
               <a:ext uri="{28A0092B-C50C-407E-A947-70E740481C1C}">
@@ -4411,14 +4412,13 @@
               </a:ext>
             </a:extLst>
           </a:blip>
-          <a:stretch>
-            <a:fillRect/>
-          </a:stretch>
+          <a:srcRect t="3522"/>
+          <a:stretch/>
         </p:blipFill>
         <p:spPr>
           <a:xfrm>
-            <a:off x="1498600" y="4683860"/>
-            <a:ext cx="9194800" cy="1739900"/>
+            <a:off x="1651000" y="4682728"/>
+            <a:ext cx="9093200" cy="1568344"/>
           </a:xfrm>
           <a:prstGeom prst="rect">
             <a:avLst/>
@@ -4427,10 +4427,10 @@
       </p:pic>
       <p:pic>
         <p:nvPicPr>
-          <p:cNvPr id="7" name="Picture 6" descr="Table&#10;&#10;Description automatically generated">
+          <p:cNvPr id="13" name="Picture 12" descr="Table&#10;&#10;Description automatically generated">
             <a:extLst>
               <a:ext uri="{FF2B5EF4-FFF2-40B4-BE49-F238E27FC236}">
-                <a16:creationId xmlns:a16="http://schemas.microsoft.com/office/drawing/2014/main" id="{9E4131E5-D635-114C-9C82-2F0D315A6D6E}"/>
+                <a16:creationId xmlns:a16="http://schemas.microsoft.com/office/drawing/2014/main" id="{16A3967D-5493-8141-B0B4-F5DD6426B057}"/>
               </a:ext>
             </a:extLst>
           </p:cNvPr>
@@ -4453,8 +4453,8 @@
         </p:blipFill>
         <p:spPr>
           <a:xfrm>
-            <a:off x="1644650" y="2508191"/>
-            <a:ext cx="8902700" cy="1752600"/>
+            <a:off x="1651000" y="2622550"/>
+            <a:ext cx="8890000" cy="1612900"/>
           </a:xfrm>
           <a:prstGeom prst="rect">
             <a:avLst/>
@@ -4520,8 +4520,8 @@
           </a:p>
         </p:txBody>
       </p:sp>
-      <mc:AlternateContent xmlns:mc="http://schemas.openxmlformats.org/markup-compatibility/2006">
-        <mc:Choice xmlns:a14="http://schemas.microsoft.com/office/drawing/2010/main" Requires="a14">
+      <mc:AlternateContent xmlns:mc="http://schemas.openxmlformats.org/markup-compatibility/2006" xmlns:a14="http://schemas.microsoft.com/office/drawing/2010/main">
+        <mc:Choice Requires="a14">
           <p:sp>
             <p:nvSpPr>
               <p:cNvPr id="3" name="Content Placeholder 2">
@@ -5098,7 +5098,7 @@
             </p:txBody>
           </p:sp>
         </mc:Choice>
-        <mc:Fallback>
+        <mc:Fallback xmlns="">
           <p:sp>
             <p:nvSpPr>
               <p:cNvPr id="3" name="Content Placeholder 2">
@@ -5202,8 +5202,8 @@
           </a:p>
         </p:txBody>
       </p:sp>
-      <mc:AlternateContent xmlns:mc="http://schemas.openxmlformats.org/markup-compatibility/2006">
-        <mc:Choice xmlns:a14="http://schemas.microsoft.com/office/drawing/2010/main" Requires="a14">
+      <mc:AlternateContent xmlns:mc="http://schemas.openxmlformats.org/markup-compatibility/2006" xmlns:a14="http://schemas.microsoft.com/office/drawing/2010/main">
+        <mc:Choice Requires="a14">
           <p:sp>
             <p:nvSpPr>
               <p:cNvPr id="3" name="Content Placeholder 2">
@@ -5885,7 +5885,7 @@
             </p:txBody>
           </p:sp>
         </mc:Choice>
-        <mc:Fallback>
+        <mc:Fallback xmlns="">
           <p:sp>
             <p:nvSpPr>
               <p:cNvPr id="3" name="Content Placeholder 2">
@@ -6824,8 +6824,8 @@
           </a:p>
         </p:txBody>
       </p:sp>
-      <mc:AlternateContent xmlns:mc="http://schemas.openxmlformats.org/markup-compatibility/2006">
-        <mc:Choice xmlns:a14="http://schemas.microsoft.com/office/drawing/2010/main" Requires="a14">
+      <mc:AlternateContent xmlns:mc="http://schemas.openxmlformats.org/markup-compatibility/2006" xmlns:a14="http://schemas.microsoft.com/office/drawing/2010/main">
+        <mc:Choice Requires="a14">
           <p:sp>
             <p:nvSpPr>
               <p:cNvPr id="3" name="Content Placeholder 2">
@@ -7031,7 +7031,7 @@
             </p:txBody>
           </p:sp>
         </mc:Choice>
-        <mc:Fallback>
+        <mc:Fallback xmlns="">
           <p:sp>
             <p:nvSpPr>
               <p:cNvPr id="3" name="Content Placeholder 2">
@@ -7184,8 +7184,8 @@
           </a:p>
         </p:txBody>
       </p:sp>
-      <mc:AlternateContent xmlns:mc="http://schemas.openxmlformats.org/markup-compatibility/2006">
-        <mc:Choice xmlns:a14="http://schemas.microsoft.com/office/drawing/2010/main" Requires="a14">
+      <mc:AlternateContent xmlns:mc="http://schemas.openxmlformats.org/markup-compatibility/2006" xmlns:a14="http://schemas.microsoft.com/office/drawing/2010/main">
+        <mc:Choice Requires="a14">
           <p:sp>
             <p:nvSpPr>
               <p:cNvPr id="3" name="Content Placeholder 2">
@@ -7466,7 +7466,7 @@
             </p:txBody>
           </p:sp>
         </mc:Choice>
-        <mc:Fallback>
+        <mc:Fallback xmlns="">
           <p:sp>
             <p:nvSpPr>
               <p:cNvPr id="3" name="Content Placeholder 2">
@@ -7566,8 +7566,8 @@
           </a:p>
         </p:txBody>
       </p:sp>
-      <mc:AlternateContent xmlns:mc="http://schemas.openxmlformats.org/markup-compatibility/2006">
-        <mc:Choice xmlns:a14="http://schemas.microsoft.com/office/drawing/2010/main" Requires="a14">
+      <mc:AlternateContent xmlns:mc="http://schemas.openxmlformats.org/markup-compatibility/2006" xmlns:a14="http://schemas.microsoft.com/office/drawing/2010/main">
+        <mc:Choice Requires="a14">
           <p:sp>
             <p:nvSpPr>
               <p:cNvPr id="3" name="Content Placeholder 2">
@@ -7872,14 +7872,7 @@
                                   <a:latin typeface="Cambria Math" panose="02040503050406030204" pitchFamily="18" charset="0"/>
                                   <a:ea typeface="Cambria Math" panose="02040503050406030204" pitchFamily="18" charset="0"/>
                                 </a:rPr>
-                                <m:t>,</m:t>
-                              </m:r>
-                              <m:r>
-                                <a:rPr lang="en-US" i="1">
-                                  <a:latin typeface="Cambria Math" panose="02040503050406030204" pitchFamily="18" charset="0"/>
-                                  <a:ea typeface="Cambria Math" panose="02040503050406030204" pitchFamily="18" charset="0"/>
-                                </a:rPr>
-                                <m:t>ℓ</m:t>
+                                <m:t>,ℓ</m:t>
                               </m:r>
                               <m:d>
                                 <m:dPr>
@@ -8191,7 +8184,7 @@
             </p:txBody>
           </p:sp>
         </mc:Choice>
-        <mc:Fallback>
+        <mc:Fallback xmlns="">
           <p:sp>
             <p:nvSpPr>
               <p:cNvPr id="3" name="Content Placeholder 2">

--- a/236802/ARL presentation.pptx
+++ b/236802/ARL presentation.pptx
@@ -4,18 +4,22 @@
   <p:sldMasterIdLst>
     <p:sldMasterId id="2147483648" r:id="rId1"/>
   </p:sldMasterIdLst>
+  <p:notesMasterIdLst>
+    <p:notesMasterId r:id="rId14"/>
+  </p:notesMasterIdLst>
   <p:sldIdLst>
     <p:sldId id="256" r:id="rId2"/>
     <p:sldId id="259" r:id="rId3"/>
     <p:sldId id="257" r:id="rId4"/>
-    <p:sldId id="263" r:id="rId5"/>
-    <p:sldId id="264" r:id="rId6"/>
-    <p:sldId id="265" r:id="rId7"/>
+    <p:sldId id="265" r:id="rId5"/>
+    <p:sldId id="263" r:id="rId6"/>
+    <p:sldId id="264" r:id="rId7"/>
     <p:sldId id="261" r:id="rId8"/>
     <p:sldId id="262" r:id="rId9"/>
     <p:sldId id="266" r:id="rId10"/>
     <p:sldId id="267" r:id="rId11"/>
     <p:sldId id="268" r:id="rId12"/>
+    <p:sldId id="269" r:id="rId13"/>
   </p:sldIdLst>
   <p:sldSz cx="12192000" cy="6858000"/>
   <p:notesSz cx="6858000" cy="9144000"/>
@@ -149,6 +153,440 @@
     </pc:docChg>
   </pc:docChgLst>
 </pc:chgInfo>
+</file>
+
+<file path=ppt/notesMasters/notesMaster1.xml><?xml version="1.0" encoding="utf-8"?>
+<p:notesMaster xmlns:a="http://schemas.openxmlformats.org/drawingml/2006/main" xmlns:r="http://schemas.openxmlformats.org/officeDocument/2006/relationships" xmlns:p="http://schemas.openxmlformats.org/presentationml/2006/main">
+  <p:cSld>
+    <p:bg>
+      <p:bgRef idx="1001">
+        <a:schemeClr val="bg1"/>
+      </p:bgRef>
+    </p:bg>
+    <p:spTree>
+      <p:nvGrpSpPr>
+        <p:cNvPr id="1" name=""/>
+        <p:cNvGrpSpPr/>
+        <p:nvPr/>
+      </p:nvGrpSpPr>
+      <p:grpSpPr>
+        <a:xfrm>
+          <a:off x="0" y="0"/>
+          <a:ext cx="0" cy="0"/>
+          <a:chOff x="0" y="0"/>
+          <a:chExt cx="0" cy="0"/>
+        </a:xfrm>
+      </p:grpSpPr>
+      <p:sp>
+        <p:nvSpPr>
+          <p:cNvPr id="2" name="Header Placeholder 1"/>
+          <p:cNvSpPr>
+            <a:spLocks noGrp="1"/>
+          </p:cNvSpPr>
+          <p:nvPr>
+            <p:ph type="hdr" sz="quarter"/>
+          </p:nvPr>
+        </p:nvSpPr>
+        <p:spPr>
+          <a:xfrm>
+            <a:off x="0" y="0"/>
+            <a:ext cx="2971800" cy="458788"/>
+          </a:xfrm>
+          <a:prstGeom prst="rect">
+            <a:avLst/>
+          </a:prstGeom>
+        </p:spPr>
+        <p:txBody>
+          <a:bodyPr vert="horz" lIns="91440" tIns="45720" rIns="91440" bIns="45720" rtlCol="0"/>
+          <a:lstStyle>
+            <a:lvl1pPr algn="l">
+              <a:defRPr sz="1200"/>
+            </a:lvl1pPr>
+          </a:lstStyle>
+          <a:p>
+            <a:endParaRPr lang="en-IL"/>
+          </a:p>
+        </p:txBody>
+      </p:sp>
+      <p:sp>
+        <p:nvSpPr>
+          <p:cNvPr id="3" name="Date Placeholder 2"/>
+          <p:cNvSpPr>
+            <a:spLocks noGrp="1"/>
+          </p:cNvSpPr>
+          <p:nvPr>
+            <p:ph type="dt" idx="1"/>
+          </p:nvPr>
+        </p:nvSpPr>
+        <p:spPr>
+          <a:xfrm>
+            <a:off x="3884613" y="0"/>
+            <a:ext cx="2971800" cy="458788"/>
+          </a:xfrm>
+          <a:prstGeom prst="rect">
+            <a:avLst/>
+          </a:prstGeom>
+        </p:spPr>
+        <p:txBody>
+          <a:bodyPr vert="horz" lIns="91440" tIns="45720" rIns="91440" bIns="45720" rtlCol="0"/>
+          <a:lstStyle>
+            <a:lvl1pPr algn="r">
+              <a:defRPr sz="1200"/>
+            </a:lvl1pPr>
+          </a:lstStyle>
+          <a:p>
+            <a:fld id="{3DAD7CA2-2764-2646-99F8-9777240DE90E}" type="datetimeFigureOut">
+              <a:rPr lang="en-IL" smtClean="0"/>
+              <a:t>10/06/2021</a:t>
+            </a:fld>
+            <a:endParaRPr lang="en-IL"/>
+          </a:p>
+        </p:txBody>
+      </p:sp>
+      <p:sp>
+        <p:nvSpPr>
+          <p:cNvPr id="4" name="Slide Image Placeholder 3"/>
+          <p:cNvSpPr>
+            <a:spLocks noGrp="1" noRot="1" noChangeAspect="1"/>
+          </p:cNvSpPr>
+          <p:nvPr>
+            <p:ph type="sldImg" idx="2"/>
+          </p:nvPr>
+        </p:nvSpPr>
+        <p:spPr>
+          <a:xfrm>
+            <a:off x="685800" y="1143000"/>
+            <a:ext cx="5486400" cy="3086100"/>
+          </a:xfrm>
+          <a:prstGeom prst="rect">
+            <a:avLst/>
+          </a:prstGeom>
+          <a:noFill/>
+          <a:ln w="12700">
+            <a:solidFill>
+              <a:prstClr val="black"/>
+            </a:solidFill>
+          </a:ln>
+        </p:spPr>
+        <p:txBody>
+          <a:bodyPr vert="horz" lIns="91440" tIns="45720" rIns="91440" bIns="45720" rtlCol="0" anchor="ctr"/>
+          <a:lstStyle/>
+          <a:p>
+            <a:endParaRPr lang="en-IL"/>
+          </a:p>
+        </p:txBody>
+      </p:sp>
+      <p:sp>
+        <p:nvSpPr>
+          <p:cNvPr id="5" name="Notes Placeholder 4"/>
+          <p:cNvSpPr>
+            <a:spLocks noGrp="1"/>
+          </p:cNvSpPr>
+          <p:nvPr>
+            <p:ph type="body" sz="quarter" idx="3"/>
+          </p:nvPr>
+        </p:nvSpPr>
+        <p:spPr>
+          <a:xfrm>
+            <a:off x="685800" y="4400550"/>
+            <a:ext cx="5486400" cy="3600450"/>
+          </a:xfrm>
+          <a:prstGeom prst="rect">
+            <a:avLst/>
+          </a:prstGeom>
+        </p:spPr>
+        <p:txBody>
+          <a:bodyPr vert="horz" lIns="91440" tIns="45720" rIns="91440" bIns="45720" rtlCol="0"/>
+          <a:lstStyle/>
+          <a:p>
+            <a:pPr lvl="0"/>
+            <a:r>
+              <a:rPr lang="en-US"/>
+              <a:t>Click to edit Master text styles</a:t>
+            </a:r>
+          </a:p>
+          <a:p>
+            <a:pPr lvl="1"/>
+            <a:r>
+              <a:rPr lang="en-US"/>
+              <a:t>Second level</a:t>
+            </a:r>
+          </a:p>
+          <a:p>
+            <a:pPr lvl="2"/>
+            <a:r>
+              <a:rPr lang="en-US"/>
+              <a:t>Third level</a:t>
+            </a:r>
+          </a:p>
+          <a:p>
+            <a:pPr lvl="3"/>
+            <a:r>
+              <a:rPr lang="en-US"/>
+              <a:t>Fourth level</a:t>
+            </a:r>
+          </a:p>
+          <a:p>
+            <a:pPr lvl="4"/>
+            <a:r>
+              <a:rPr lang="en-US"/>
+              <a:t>Fifth level</a:t>
+            </a:r>
+            <a:endParaRPr lang="en-IL"/>
+          </a:p>
+        </p:txBody>
+      </p:sp>
+      <p:sp>
+        <p:nvSpPr>
+          <p:cNvPr id="6" name="Footer Placeholder 5"/>
+          <p:cNvSpPr>
+            <a:spLocks noGrp="1"/>
+          </p:cNvSpPr>
+          <p:nvPr>
+            <p:ph type="ftr" sz="quarter" idx="4"/>
+          </p:nvPr>
+        </p:nvSpPr>
+        <p:spPr>
+          <a:xfrm>
+            <a:off x="0" y="8685213"/>
+            <a:ext cx="2971800" cy="458787"/>
+          </a:xfrm>
+          <a:prstGeom prst="rect">
+            <a:avLst/>
+          </a:prstGeom>
+        </p:spPr>
+        <p:txBody>
+          <a:bodyPr vert="horz" lIns="91440" tIns="45720" rIns="91440" bIns="45720" rtlCol="0" anchor="b"/>
+          <a:lstStyle>
+            <a:lvl1pPr algn="l">
+              <a:defRPr sz="1200"/>
+            </a:lvl1pPr>
+          </a:lstStyle>
+          <a:p>
+            <a:endParaRPr lang="en-IL"/>
+          </a:p>
+        </p:txBody>
+      </p:sp>
+      <p:sp>
+        <p:nvSpPr>
+          <p:cNvPr id="7" name="Slide Number Placeholder 6"/>
+          <p:cNvSpPr>
+            <a:spLocks noGrp="1"/>
+          </p:cNvSpPr>
+          <p:nvPr>
+            <p:ph type="sldNum" sz="quarter" idx="5"/>
+          </p:nvPr>
+        </p:nvSpPr>
+        <p:spPr>
+          <a:xfrm>
+            <a:off x="3884613" y="8685213"/>
+            <a:ext cx="2971800" cy="458787"/>
+          </a:xfrm>
+          <a:prstGeom prst="rect">
+            <a:avLst/>
+          </a:prstGeom>
+        </p:spPr>
+        <p:txBody>
+          <a:bodyPr vert="horz" lIns="91440" tIns="45720" rIns="91440" bIns="45720" rtlCol="0" anchor="b"/>
+          <a:lstStyle>
+            <a:lvl1pPr algn="r">
+              <a:defRPr sz="1200"/>
+            </a:lvl1pPr>
+          </a:lstStyle>
+          <a:p>
+            <a:fld id="{355D1E9E-3E07-3340-8AEB-1DB8516E692A}" type="slidenum">
+              <a:rPr lang="en-IL" smtClean="0"/>
+              <a:t>‹#›</a:t>
+            </a:fld>
+            <a:endParaRPr lang="en-IL"/>
+          </a:p>
+        </p:txBody>
+      </p:sp>
+    </p:spTree>
+    <p:extLst>
+      <p:ext uri="{BB962C8B-B14F-4D97-AF65-F5344CB8AC3E}">
+        <p14:creationId xmlns:p14="http://schemas.microsoft.com/office/powerpoint/2010/main" val="4290635446"/>
+      </p:ext>
+    </p:extLst>
+  </p:cSld>
+  <p:clrMap bg1="lt1" tx1="dk1" bg2="lt2" tx2="dk2" accent1="accent1" accent2="accent2" accent3="accent3" accent4="accent4" accent5="accent5" accent6="accent6" hlink="hlink" folHlink="folHlink"/>
+  <p:notesStyle>
+    <a:lvl1pPr marL="0" algn="l" defTabSz="914400" rtl="0" eaLnBrk="1" latinLnBrk="0" hangingPunct="1">
+      <a:defRPr sz="1200" kern="1200">
+        <a:solidFill>
+          <a:schemeClr val="tx1"/>
+        </a:solidFill>
+        <a:latin typeface="+mn-lt"/>
+        <a:ea typeface="+mn-ea"/>
+        <a:cs typeface="+mn-cs"/>
+      </a:defRPr>
+    </a:lvl1pPr>
+    <a:lvl2pPr marL="457200" algn="l" defTabSz="914400" rtl="0" eaLnBrk="1" latinLnBrk="0" hangingPunct="1">
+      <a:defRPr sz="1200" kern="1200">
+        <a:solidFill>
+          <a:schemeClr val="tx1"/>
+        </a:solidFill>
+        <a:latin typeface="+mn-lt"/>
+        <a:ea typeface="+mn-ea"/>
+        <a:cs typeface="+mn-cs"/>
+      </a:defRPr>
+    </a:lvl2pPr>
+    <a:lvl3pPr marL="914400" algn="l" defTabSz="914400" rtl="0" eaLnBrk="1" latinLnBrk="0" hangingPunct="1">
+      <a:defRPr sz="1200" kern="1200">
+        <a:solidFill>
+          <a:schemeClr val="tx1"/>
+        </a:solidFill>
+        <a:latin typeface="+mn-lt"/>
+        <a:ea typeface="+mn-ea"/>
+        <a:cs typeface="+mn-cs"/>
+      </a:defRPr>
+    </a:lvl3pPr>
+    <a:lvl4pPr marL="1371600" algn="l" defTabSz="914400" rtl="0" eaLnBrk="1" latinLnBrk="0" hangingPunct="1">
+      <a:defRPr sz="1200" kern="1200">
+        <a:solidFill>
+          <a:schemeClr val="tx1"/>
+        </a:solidFill>
+        <a:latin typeface="+mn-lt"/>
+        <a:ea typeface="+mn-ea"/>
+        <a:cs typeface="+mn-cs"/>
+      </a:defRPr>
+    </a:lvl4pPr>
+    <a:lvl5pPr marL="1828800" algn="l" defTabSz="914400" rtl="0" eaLnBrk="1" latinLnBrk="0" hangingPunct="1">
+      <a:defRPr sz="1200" kern="1200">
+        <a:solidFill>
+          <a:schemeClr val="tx1"/>
+        </a:solidFill>
+        <a:latin typeface="+mn-lt"/>
+        <a:ea typeface="+mn-ea"/>
+        <a:cs typeface="+mn-cs"/>
+      </a:defRPr>
+    </a:lvl5pPr>
+    <a:lvl6pPr marL="2286000" algn="l" defTabSz="914400" rtl="0" eaLnBrk="1" latinLnBrk="0" hangingPunct="1">
+      <a:defRPr sz="1200" kern="1200">
+        <a:solidFill>
+          <a:schemeClr val="tx1"/>
+        </a:solidFill>
+        <a:latin typeface="+mn-lt"/>
+        <a:ea typeface="+mn-ea"/>
+        <a:cs typeface="+mn-cs"/>
+      </a:defRPr>
+    </a:lvl6pPr>
+    <a:lvl7pPr marL="2743200" algn="l" defTabSz="914400" rtl="0" eaLnBrk="1" latinLnBrk="0" hangingPunct="1">
+      <a:defRPr sz="1200" kern="1200">
+        <a:solidFill>
+          <a:schemeClr val="tx1"/>
+        </a:solidFill>
+        <a:latin typeface="+mn-lt"/>
+        <a:ea typeface="+mn-ea"/>
+        <a:cs typeface="+mn-cs"/>
+      </a:defRPr>
+    </a:lvl7pPr>
+    <a:lvl8pPr marL="3200400" algn="l" defTabSz="914400" rtl="0" eaLnBrk="1" latinLnBrk="0" hangingPunct="1">
+      <a:defRPr sz="1200" kern="1200">
+        <a:solidFill>
+          <a:schemeClr val="tx1"/>
+        </a:solidFill>
+        <a:latin typeface="+mn-lt"/>
+        <a:ea typeface="+mn-ea"/>
+        <a:cs typeface="+mn-cs"/>
+      </a:defRPr>
+    </a:lvl8pPr>
+    <a:lvl9pPr marL="3657600" algn="l" defTabSz="914400" rtl="0" eaLnBrk="1" latinLnBrk="0" hangingPunct="1">
+      <a:defRPr sz="1200" kern="1200">
+        <a:solidFill>
+          <a:schemeClr val="tx1"/>
+        </a:solidFill>
+        <a:latin typeface="+mn-lt"/>
+        <a:ea typeface="+mn-ea"/>
+        <a:cs typeface="+mn-cs"/>
+      </a:defRPr>
+    </a:lvl9pPr>
+  </p:notesStyle>
+</p:notesMaster>
+</file>
+
+<file path=ppt/notesSlides/notesSlide1.xml><?xml version="1.0" encoding="utf-8"?>
+<p:notes xmlns:a="http://schemas.openxmlformats.org/drawingml/2006/main" xmlns:r="http://schemas.openxmlformats.org/officeDocument/2006/relationships" xmlns:p="http://schemas.openxmlformats.org/presentationml/2006/main">
+  <p:cSld>
+    <p:spTree>
+      <p:nvGrpSpPr>
+        <p:cNvPr id="1" name=""/>
+        <p:cNvGrpSpPr/>
+        <p:nvPr/>
+      </p:nvGrpSpPr>
+      <p:grpSpPr>
+        <a:xfrm>
+          <a:off x="0" y="0"/>
+          <a:ext cx="0" cy="0"/>
+          <a:chOff x="0" y="0"/>
+          <a:chExt cx="0" cy="0"/>
+        </a:xfrm>
+      </p:grpSpPr>
+      <p:sp>
+        <p:nvSpPr>
+          <p:cNvPr id="2" name="Slide Image Placeholder 1"/>
+          <p:cNvSpPr>
+            <a:spLocks noGrp="1" noRot="1" noChangeAspect="1"/>
+          </p:cNvSpPr>
+          <p:nvPr>
+            <p:ph type="sldImg"/>
+          </p:nvPr>
+        </p:nvSpPr>
+        <p:spPr/>
+      </p:sp>
+      <p:sp>
+        <p:nvSpPr>
+          <p:cNvPr id="3" name="Notes Placeholder 2"/>
+          <p:cNvSpPr>
+            <a:spLocks noGrp="1"/>
+          </p:cNvSpPr>
+          <p:nvPr>
+            <p:ph type="body" idx="1"/>
+          </p:nvPr>
+        </p:nvSpPr>
+        <p:spPr/>
+        <p:txBody>
+          <a:bodyPr/>
+          <a:lstStyle/>
+          <a:p>
+            <a:endParaRPr lang="en-IL" dirty="0"/>
+          </a:p>
+        </p:txBody>
+      </p:sp>
+      <p:sp>
+        <p:nvSpPr>
+          <p:cNvPr id="4" name="Slide Number Placeholder 3"/>
+          <p:cNvSpPr>
+            <a:spLocks noGrp="1"/>
+          </p:cNvSpPr>
+          <p:nvPr>
+            <p:ph type="sldNum" sz="quarter" idx="5"/>
+          </p:nvPr>
+        </p:nvSpPr>
+        <p:spPr/>
+        <p:txBody>
+          <a:bodyPr/>
+          <a:lstStyle/>
+          <a:p>
+            <a:fld id="{355D1E9E-3E07-3340-8AEB-1DB8516E692A}" type="slidenum">
+              <a:rPr lang="en-IL" smtClean="0"/>
+              <a:t>4</a:t>
+            </a:fld>
+            <a:endParaRPr lang="en-IL"/>
+          </a:p>
+        </p:txBody>
+      </p:sp>
+    </p:spTree>
+    <p:extLst>
+      <p:ext uri="{BB962C8B-B14F-4D97-AF65-F5344CB8AC3E}">
+        <p14:creationId xmlns:p14="http://schemas.microsoft.com/office/powerpoint/2010/main" val="2773762060"/>
+      </p:ext>
+    </p:extLst>
+  </p:cSld>
+  <p:clrMapOvr>
+    <a:masterClrMapping/>
+  </p:clrMapOvr>
+</p:notes>
 </file>
 
 <file path=ppt/slideLayouts/slideLayout1.xml><?xml version="1.0" encoding="utf-8"?>
@@ -3453,7 +3891,7 @@
             </a:pPr>
             <a:r>
               <a:rPr lang="en-IL" dirty="0"/>
-              <a:t>Presented By:</a:t>
+              <a:t>Presented By: Shai Feldman and Guy Shapira</a:t>
             </a:r>
           </a:p>
         </p:txBody>
@@ -3518,8 +3956,8 @@
           </a:p>
         </p:txBody>
       </p:sp>
-      <mc:AlternateContent xmlns:mc="http://schemas.openxmlformats.org/markup-compatibility/2006" xmlns:a14="http://schemas.microsoft.com/office/drawing/2010/main">
-        <mc:Choice Requires="a14">
+      <mc:AlternateContent xmlns:mc="http://schemas.openxmlformats.org/markup-compatibility/2006">
+        <mc:Choice xmlns:a14="http://schemas.microsoft.com/office/drawing/2010/main" Requires="a14">
           <p:sp>
             <p:nvSpPr>
               <p:cNvPr id="3" name="Content Placeholder 2">
@@ -3538,7 +3976,9 @@
             </p:nvSpPr>
             <p:spPr/>
             <p:txBody>
-              <a:bodyPr/>
+              <a:bodyPr>
+                <a:normAutofit/>
+              </a:bodyPr>
               <a:lstStyle/>
               <a:p>
                 <a:pPr algn="l" rtl="0"/>
@@ -3839,7 +4279,7 @@
                 </a:pPr>
                 <a:r>
                   <a:rPr lang="en-IL" dirty="0"/>
-                  <a:t>The adversary will try to maximazie the correlation </a:t>
+                  <a:t>The adversary will maximazie the correlation </a:t>
                 </a:r>
                 <a14:m>
                   <m:oMath xmlns:m="http://schemas.openxmlformats.org/officeDocument/2006/math">
@@ -4032,7 +4472,7 @@
                 </a:pPr>
                 <a:r>
                   <a:rPr lang="en-IL" dirty="0"/>
-                  <a:t>The learner will try to minimize the correlation </a:t>
+                  <a:t>The learner will minimize the correlation </a:t>
                 </a:r>
                 <a14:m>
                   <m:oMath xmlns:m="http://schemas.openxmlformats.org/officeDocument/2006/math">
@@ -4246,7 +4686,7 @@
             </p:txBody>
           </p:sp>
         </mc:Choice>
-        <mc:Fallback xmlns="">
+        <mc:Fallback>
           <p:sp>
             <p:nvSpPr>
               <p:cNvPr id="3" name="Content Placeholder 2">
@@ -4267,7 +4707,7 @@
               <a:blipFill>
                 <a:blip r:embed="rId2"/>
                 <a:stretch>
-                  <a:fillRect l="-1206" t="-2326" r="-965"/>
+                  <a:fillRect l="-1206" t="-2326"/>
                 </a:stretch>
               </a:blipFill>
             </p:spPr>
@@ -4377,15 +4817,7 @@
             </a:pPr>
             <a:r>
               <a:rPr lang="en-IL" dirty="0"/>
-              <a:t>Results averaged </a:t>
-            </a:r>
-            <a:r>
-              <a:rPr lang="en-IL"/>
-              <a:t>over 15 </a:t>
-            </a:r>
-            <a:r>
-              <a:rPr lang="en-IL" dirty="0"/>
-              <a:t>seeds.</a:t>
+              <a:t>Results averaged over 15 seeds.</a:t>
             </a:r>
           </a:p>
         </p:txBody>
@@ -4474,6 +4906,227 @@
 </p:sld>
 </file>
 
+<file path=ppt/slides/slide12.xml><?xml version="1.0" encoding="utf-8"?>
+<p:sld xmlns:a="http://schemas.openxmlformats.org/drawingml/2006/main" xmlns:r="http://schemas.openxmlformats.org/officeDocument/2006/relationships" xmlns:p="http://schemas.openxmlformats.org/presentationml/2006/main">
+  <p:cSld>
+    <p:spTree>
+      <p:nvGrpSpPr>
+        <p:cNvPr id="1" name=""/>
+        <p:cNvGrpSpPr/>
+        <p:nvPr/>
+      </p:nvGrpSpPr>
+      <p:grpSpPr>
+        <a:xfrm>
+          <a:off x="0" y="0"/>
+          <a:ext cx="0" cy="0"/>
+          <a:chOff x="0" y="0"/>
+          <a:chExt cx="0" cy="0"/>
+        </a:xfrm>
+      </p:grpSpPr>
+      <p:sp>
+        <p:nvSpPr>
+          <p:cNvPr id="4" name="Title 3">
+            <a:extLst>
+              <a:ext uri="{FF2B5EF4-FFF2-40B4-BE49-F238E27FC236}">
+                <a16:creationId xmlns:a16="http://schemas.microsoft.com/office/drawing/2014/main" id="{40A10965-004B-D74F-B85A-44A4EDE30AA1}"/>
+              </a:ext>
+            </a:extLst>
+          </p:cNvPr>
+          <p:cNvSpPr>
+            <a:spLocks noGrp="1"/>
+          </p:cNvSpPr>
+          <p:nvPr>
+            <p:ph type="title"/>
+          </p:nvPr>
+        </p:nvSpPr>
+        <p:spPr>
+          <a:xfrm>
+            <a:off x="831850" y="1128040"/>
+            <a:ext cx="10515600" cy="896604"/>
+          </a:xfrm>
+        </p:spPr>
+        <p:txBody>
+          <a:bodyPr>
+            <a:normAutofit fontScale="90000"/>
+          </a:bodyPr>
+          <a:lstStyle/>
+          <a:p>
+            <a:pPr algn="ctr"/>
+            <a:r>
+              <a:rPr lang="en-IL" dirty="0"/>
+              <a:t>Thanks for listening!</a:t>
+            </a:r>
+          </a:p>
+        </p:txBody>
+      </p:sp>
+      <p:sp>
+        <p:nvSpPr>
+          <p:cNvPr id="5" name="Text Placeholder 4">
+            <a:extLst>
+              <a:ext uri="{FF2B5EF4-FFF2-40B4-BE49-F238E27FC236}">
+                <a16:creationId xmlns:a16="http://schemas.microsoft.com/office/drawing/2014/main" id="{3A2C7570-BD16-4C48-AC21-86EAA80D74DC}"/>
+              </a:ext>
+            </a:extLst>
+          </p:cNvPr>
+          <p:cNvSpPr>
+            <a:spLocks noGrp="1"/>
+          </p:cNvSpPr>
+          <p:nvPr>
+            <p:ph type="body" idx="1"/>
+          </p:nvPr>
+        </p:nvSpPr>
+        <p:spPr/>
+        <p:txBody>
+          <a:bodyPr/>
+          <a:lstStyle/>
+          <a:p>
+            <a:pPr marL="0" indent="0" algn="l" defTabSz="914400" rtl="0" eaLnBrk="1" latinLnBrk="0" hangingPunct="1">
+              <a:lnSpc>
+                <a:spcPct val="90000"/>
+              </a:lnSpc>
+              <a:spcBef>
+                <a:spcPts val="1000"/>
+              </a:spcBef>
+              <a:buFont typeface="Arial" panose="020B0604020202020204" pitchFamily="34" charset="0"/>
+              <a:buNone/>
+            </a:pPr>
+            <a:endParaRPr lang="en-IL" dirty="0"/>
+          </a:p>
+        </p:txBody>
+      </p:sp>
+      <p:pic>
+        <p:nvPicPr>
+          <p:cNvPr id="1026" name="Picture 2" descr="ATT&amp;amp;CKing with Threat Intelligence">
+            <a:extLst>
+              <a:ext uri="{FF2B5EF4-FFF2-40B4-BE49-F238E27FC236}">
+                <a16:creationId xmlns:a16="http://schemas.microsoft.com/office/drawing/2014/main" id="{5777C3B7-1693-B843-81AC-C296E166F39A}"/>
+              </a:ext>
+            </a:extLst>
+          </p:cNvPr>
+          <p:cNvPicPr>
+            <a:picLocks noChangeAspect="1" noChangeArrowheads="1"/>
+          </p:cNvPicPr>
+          <p:nvPr/>
+        </p:nvPicPr>
+        <p:blipFill>
+          <a:blip r:embed="rId2">
+            <a:extLst>
+              <a:ext uri="{28A0092B-C50C-407E-A947-70E740481C1C}">
+                <a14:useLocalDpi xmlns:a14="http://schemas.microsoft.com/office/drawing/2010/main" val="0"/>
+              </a:ext>
+            </a:extLst>
+          </a:blip>
+          <a:srcRect/>
+          <a:stretch>
+            <a:fillRect/>
+          </a:stretch>
+        </p:blipFill>
+        <p:spPr bwMode="auto">
+          <a:xfrm>
+            <a:off x="4211272" y="2807394"/>
+            <a:ext cx="3769455" cy="3234812"/>
+          </a:xfrm>
+          <a:prstGeom prst="rect">
+            <a:avLst/>
+          </a:prstGeom>
+          <a:noFill/>
+          <a:extLst>
+            <a:ext uri="{909E8E84-426E-40DD-AFC4-6F175D3DCCD1}">
+              <a14:hiddenFill xmlns:a14="http://schemas.microsoft.com/office/drawing/2010/main">
+                <a:solidFill>
+                  <a:srgbClr val="FFFFFF"/>
+                </a:solidFill>
+              </a14:hiddenFill>
+            </a:ext>
+          </a:extLst>
+        </p:spPr>
+      </p:pic>
+      <p:sp>
+        <p:nvSpPr>
+          <p:cNvPr id="6" name="TextBox 5">
+            <a:extLst>
+              <a:ext uri="{FF2B5EF4-FFF2-40B4-BE49-F238E27FC236}">
+                <a16:creationId xmlns:a16="http://schemas.microsoft.com/office/drawing/2014/main" id="{EF439F33-1523-3846-9B83-1A544F992F09}"/>
+              </a:ext>
+            </a:extLst>
+          </p:cNvPr>
+          <p:cNvSpPr txBox="1"/>
+          <p:nvPr/>
+        </p:nvSpPr>
+        <p:spPr>
+          <a:xfrm>
+            <a:off x="4628069" y="6135668"/>
+            <a:ext cx="1203157" cy="461665"/>
+          </a:xfrm>
+          <a:prstGeom prst="rect">
+            <a:avLst/>
+          </a:prstGeom>
+          <a:noFill/>
+        </p:spPr>
+        <p:txBody>
+          <a:bodyPr wrap="square" rtlCol="0">
+            <a:spAutoFit/>
+          </a:bodyPr>
+          <a:lstStyle/>
+          <a:p>
+            <a:pPr marL="0" algn="l" defTabSz="914400" rtl="0" eaLnBrk="1" latinLnBrk="0" hangingPunct="1"/>
+            <a:r>
+              <a:rPr lang="en-IL" sz="2400" dirty="0"/>
+              <a:t>Learner</a:t>
+            </a:r>
+            <a:endParaRPr lang="en-IL" dirty="0"/>
+          </a:p>
+        </p:txBody>
+      </p:sp>
+      <p:sp>
+        <p:nvSpPr>
+          <p:cNvPr id="8" name="TextBox 7">
+            <a:extLst>
+              <a:ext uri="{FF2B5EF4-FFF2-40B4-BE49-F238E27FC236}">
+                <a16:creationId xmlns:a16="http://schemas.microsoft.com/office/drawing/2014/main" id="{83312D0F-8F57-3944-AD41-5F132226183E}"/>
+              </a:ext>
+            </a:extLst>
+          </p:cNvPr>
+          <p:cNvSpPr txBox="1"/>
+          <p:nvPr/>
+        </p:nvSpPr>
+        <p:spPr>
+          <a:xfrm>
+            <a:off x="6360776" y="6135668"/>
+            <a:ext cx="1434935" cy="461665"/>
+          </a:xfrm>
+          <a:prstGeom prst="rect">
+            <a:avLst/>
+          </a:prstGeom>
+          <a:noFill/>
+        </p:spPr>
+        <p:txBody>
+          <a:bodyPr wrap="square" rtlCol="0">
+            <a:spAutoFit/>
+          </a:bodyPr>
+          <a:lstStyle/>
+          <a:p>
+            <a:pPr marL="0" algn="l" defTabSz="914400" rtl="0" eaLnBrk="1" latinLnBrk="0" hangingPunct="1"/>
+            <a:r>
+              <a:rPr lang="en-IL" sz="2400" dirty="0"/>
+              <a:t>Adversary</a:t>
+            </a:r>
+          </a:p>
+        </p:txBody>
+      </p:sp>
+    </p:spTree>
+    <p:extLst>
+      <p:ext uri="{BB962C8B-B14F-4D97-AF65-F5344CB8AC3E}">
+        <p14:creationId xmlns:p14="http://schemas.microsoft.com/office/powerpoint/2010/main" val="2388398539"/>
+      </p:ext>
+    </p:extLst>
+  </p:cSld>
+  <p:clrMapOvr>
+    <a:masterClrMapping/>
+  </p:clrMapOvr>
+</p:sld>
+</file>
+
 <file path=ppt/slides/slide2.xml><?xml version="1.0" encoding="utf-8"?>
 <p:sld xmlns:a="http://schemas.openxmlformats.org/drawingml/2006/main" xmlns:r="http://schemas.openxmlformats.org/officeDocument/2006/relationships" xmlns:p="http://schemas.openxmlformats.org/presentationml/2006/main">
   <p:cSld>
@@ -4520,8 +5173,8 @@
           </a:p>
         </p:txBody>
       </p:sp>
-      <mc:AlternateContent xmlns:mc="http://schemas.openxmlformats.org/markup-compatibility/2006" xmlns:a14="http://schemas.microsoft.com/office/drawing/2010/main">
-        <mc:Choice Requires="a14">
+      <mc:AlternateContent xmlns:mc="http://schemas.openxmlformats.org/markup-compatibility/2006">
+        <mc:Choice xmlns:a14="http://schemas.microsoft.com/office/drawing/2010/main" Requires="a14">
           <p:sp>
             <p:nvSpPr>
               <p:cNvPr id="3" name="Content Placeholder 2">
@@ -5072,7 +5725,15 @@
                 </a14:m>
                 <a:r>
                   <a:rPr lang="en-IL" dirty="0"/>
-                  <a:t> that is fair that is fair to groups in </a:t>
+                  <a:t> that is </a:t>
+                </a:r>
+                <a:r>
+                  <a:rPr lang="en-IL" u="sng" dirty="0"/>
+                  <a:t>fair</a:t>
+                </a:r>
+                <a:r>
+                  <a:rPr lang="en-IL" dirty="0"/>
+                  <a:t> to groups in </a:t>
                 </a:r>
                 <a14:m>
                   <m:oMath xmlns:m="http://schemas.openxmlformats.org/officeDocument/2006/math">
@@ -5098,7 +5759,7 @@
             </p:txBody>
           </p:sp>
         </mc:Choice>
-        <mc:Fallback xmlns="">
+        <mc:Fallback>
           <p:sp>
             <p:nvSpPr>
               <p:cNvPr id="3" name="Content Placeholder 2">
@@ -5202,8 +5863,8 @@
           </a:p>
         </p:txBody>
       </p:sp>
-      <mc:AlternateContent xmlns:mc="http://schemas.openxmlformats.org/markup-compatibility/2006" xmlns:a14="http://schemas.microsoft.com/office/drawing/2010/main">
-        <mc:Choice Requires="a14">
+      <mc:AlternateContent xmlns:mc="http://schemas.openxmlformats.org/markup-compatibility/2006">
+        <mc:Choice xmlns:a14="http://schemas.microsoft.com/office/drawing/2010/main" Requires="a14">
           <p:sp>
             <p:nvSpPr>
               <p:cNvPr id="3" name="Content Placeholder 2">
@@ -5588,7 +6249,7 @@
                 <a:pPr algn="l" rtl="0"/>
                 <a:r>
                   <a:rPr lang="en-US" dirty="0"/>
-                  <a:t>a hypothesis </a:t>
+                  <a:t>A hypothesis </a:t>
                 </a:r>
                 <a14:m>
                   <m:oMath xmlns:m="http://schemas.openxmlformats.org/officeDocument/2006/math">
@@ -5625,11 +6286,11 @@
                 </a:r>
                 <a:r>
                   <a:rPr lang="en-US" u="sng" dirty="0"/>
-                  <a:t>Rawlsian Max-Min fairness </a:t>
+                  <a:t>Rawlsian Max-Min fairness</a:t>
                 </a:r>
                 <a:r>
                   <a:rPr lang="en-US" dirty="0"/>
-                  <a:t>principle if it maximizes the utility of the worst-off group:</a:t>
+                  <a:t> principle if it maximizes the utility of the worst-off group:</a:t>
                 </a:r>
               </a:p>
               <a:p>
@@ -5885,7 +6546,7 @@
             </p:txBody>
           </p:sp>
         </mc:Choice>
-        <mc:Fallback xmlns="">
+        <mc:Fallback>
           <p:sp>
             <p:nvSpPr>
               <p:cNvPr id="3" name="Content Placeholder 2">
@@ -5979,14 +6640,774 @@
             <a:pPr algn="l" rtl="0"/>
             <a:r>
               <a:rPr lang="en-US" dirty="0"/>
+              <a:t>Adversarial Reweighted Learning - Motivation</a:t>
+            </a:r>
+            <a:endParaRPr lang="en-IL" dirty="0"/>
+          </a:p>
+        </p:txBody>
+      </p:sp>
+      <p:sp>
+        <p:nvSpPr>
+          <p:cNvPr id="6" name="Rectangle 5">
+            <a:extLst>
+              <a:ext uri="{FF2B5EF4-FFF2-40B4-BE49-F238E27FC236}">
+                <a16:creationId xmlns:a16="http://schemas.microsoft.com/office/drawing/2014/main" id="{F4A7C817-FE31-7E45-A8A5-8B3F24D80E08}"/>
+              </a:ext>
+            </a:extLst>
+          </p:cNvPr>
+          <p:cNvSpPr/>
+          <p:nvPr/>
+        </p:nvSpPr>
+        <p:spPr>
+          <a:xfrm>
+            <a:off x="8410071" y="5129479"/>
+            <a:ext cx="3268579" cy="1431757"/>
+          </a:xfrm>
+          <a:prstGeom prst="rect">
+            <a:avLst/>
+          </a:prstGeom>
+        </p:spPr>
+        <p:style>
+          <a:lnRef idx="2">
+            <a:schemeClr val="accent1">
+              <a:shade val="50000"/>
+            </a:schemeClr>
+          </a:lnRef>
+          <a:fillRef idx="1">
+            <a:schemeClr val="accent1"/>
+          </a:fillRef>
+          <a:effectRef idx="0">
+            <a:schemeClr val="accent1"/>
+          </a:effectRef>
+          <a:fontRef idx="minor">
+            <a:schemeClr val="lt1"/>
+          </a:fontRef>
+        </p:style>
+        <p:txBody>
+          <a:bodyPr rtlCol="0" anchor="ctr"/>
+          <a:lstStyle/>
+          <a:p>
+            <a:pPr marL="0" algn="ctr" defTabSz="914400" rtl="0" eaLnBrk="1" latinLnBrk="0" hangingPunct="1"/>
+            <a:r>
+              <a:rPr lang="en-US" sz="2400" dirty="0"/>
+              <a:t>The l</a:t>
+            </a:r>
+            <a:r>
+              <a:rPr lang="en-IL" sz="2400" dirty="0"/>
+              <a:t>earner strives to predict better over that group  </a:t>
+            </a:r>
+          </a:p>
+        </p:txBody>
+      </p:sp>
+      <p:sp>
+        <p:nvSpPr>
+          <p:cNvPr id="7" name="Rectangle 6">
+            <a:extLst>
+              <a:ext uri="{FF2B5EF4-FFF2-40B4-BE49-F238E27FC236}">
+                <a16:creationId xmlns:a16="http://schemas.microsoft.com/office/drawing/2014/main" id="{9BD48A7D-80C6-E14B-A80E-761D14996E9C}"/>
+              </a:ext>
+            </a:extLst>
+          </p:cNvPr>
+          <p:cNvSpPr/>
+          <p:nvPr/>
+        </p:nvSpPr>
+        <p:spPr>
+          <a:xfrm>
+            <a:off x="4461710" y="5133492"/>
+            <a:ext cx="3268579" cy="1431757"/>
+          </a:xfrm>
+          <a:prstGeom prst="rect">
+            <a:avLst/>
+          </a:prstGeom>
+        </p:spPr>
+        <p:style>
+          <a:lnRef idx="2">
+            <a:schemeClr val="accent1">
+              <a:shade val="50000"/>
+            </a:schemeClr>
+          </a:lnRef>
+          <a:fillRef idx="1">
+            <a:schemeClr val="accent1"/>
+          </a:fillRef>
+          <a:effectRef idx="0">
+            <a:schemeClr val="accent1"/>
+          </a:effectRef>
+          <a:fontRef idx="minor">
+            <a:schemeClr val="lt1"/>
+          </a:fontRef>
+        </p:style>
+        <p:txBody>
+          <a:bodyPr rtlCol="0" anchor="ctr"/>
+          <a:lstStyle/>
+          <a:p>
+            <a:pPr algn="ctr" rtl="0"/>
+            <a:r>
+              <a:rPr lang="en-US" sz="2400" dirty="0"/>
+              <a:t>The adversary assigns larger weights for that group</a:t>
+            </a:r>
+            <a:endParaRPr lang="en-IL" sz="2400" dirty="0"/>
+          </a:p>
+        </p:txBody>
+      </p:sp>
+      <p:sp>
+        <p:nvSpPr>
+          <p:cNvPr id="8" name="Rectangle 7">
+            <a:extLst>
+              <a:ext uri="{FF2B5EF4-FFF2-40B4-BE49-F238E27FC236}">
+                <a16:creationId xmlns:a16="http://schemas.microsoft.com/office/drawing/2014/main" id="{CB57118E-2AA0-4A4A-89C0-8704A72E2274}"/>
+              </a:ext>
+            </a:extLst>
+          </p:cNvPr>
+          <p:cNvSpPr/>
+          <p:nvPr/>
+        </p:nvSpPr>
+        <p:spPr>
+          <a:xfrm>
+            <a:off x="513350" y="5133492"/>
+            <a:ext cx="3268579" cy="1431757"/>
+          </a:xfrm>
+          <a:prstGeom prst="rect">
+            <a:avLst/>
+          </a:prstGeom>
+        </p:spPr>
+        <p:style>
+          <a:lnRef idx="2">
+            <a:schemeClr val="accent1">
+              <a:shade val="50000"/>
+            </a:schemeClr>
+          </a:lnRef>
+          <a:fillRef idx="1">
+            <a:schemeClr val="accent1"/>
+          </a:fillRef>
+          <a:effectRef idx="0">
+            <a:schemeClr val="accent1"/>
+          </a:effectRef>
+          <a:fontRef idx="minor">
+            <a:schemeClr val="lt1"/>
+          </a:fontRef>
+        </p:style>
+        <p:txBody>
+          <a:bodyPr rtlCol="0" anchor="ctr"/>
+          <a:lstStyle/>
+          <a:p>
+            <a:pPr algn="ctr" rtl="0"/>
+            <a:r>
+              <a:rPr lang="en-IL" sz="2400" dirty="0"/>
+              <a:t>High loss over a specific group </a:t>
+            </a:r>
+          </a:p>
+        </p:txBody>
+      </p:sp>
+      <p:sp>
+        <p:nvSpPr>
+          <p:cNvPr id="9" name="Right Arrow 8">
+            <a:extLst>
+              <a:ext uri="{FF2B5EF4-FFF2-40B4-BE49-F238E27FC236}">
+                <a16:creationId xmlns:a16="http://schemas.microsoft.com/office/drawing/2014/main" id="{5FE79E0A-A997-5C42-94DC-B1DF45E03222}"/>
+              </a:ext>
+            </a:extLst>
+          </p:cNvPr>
+          <p:cNvSpPr/>
+          <p:nvPr/>
+        </p:nvSpPr>
+        <p:spPr>
+          <a:xfrm>
+            <a:off x="3775918" y="5744094"/>
+            <a:ext cx="679781" cy="202526"/>
+          </a:xfrm>
+          <a:prstGeom prst="rightArrow">
+            <a:avLst/>
+          </a:prstGeom>
+          <a:solidFill>
+            <a:srgbClr val="00B0F0"/>
+          </a:solidFill>
+        </p:spPr>
+        <p:style>
+          <a:lnRef idx="2">
+            <a:schemeClr val="accent1">
+              <a:shade val="50000"/>
+            </a:schemeClr>
+          </a:lnRef>
+          <a:fillRef idx="1">
+            <a:schemeClr val="accent1"/>
+          </a:fillRef>
+          <a:effectRef idx="0">
+            <a:schemeClr val="accent1"/>
+          </a:effectRef>
+          <a:fontRef idx="minor">
+            <a:schemeClr val="lt1"/>
+          </a:fontRef>
+        </p:style>
+        <p:txBody>
+          <a:bodyPr rtlCol="0" anchor="ctr"/>
+          <a:lstStyle/>
+          <a:p>
+            <a:pPr marL="0" algn="ctr" defTabSz="914400" rtl="0" eaLnBrk="1" latinLnBrk="0" hangingPunct="1"/>
+            <a:endParaRPr lang="en-IL"/>
+          </a:p>
+        </p:txBody>
+      </p:sp>
+      <p:sp>
+        <p:nvSpPr>
+          <p:cNvPr id="10" name="Right Arrow 9">
+            <a:extLst>
+              <a:ext uri="{FF2B5EF4-FFF2-40B4-BE49-F238E27FC236}">
+                <a16:creationId xmlns:a16="http://schemas.microsoft.com/office/drawing/2014/main" id="{6954A943-9C40-0B4D-9FE6-3116836DF92C}"/>
+              </a:ext>
+            </a:extLst>
+          </p:cNvPr>
+          <p:cNvSpPr/>
+          <p:nvPr/>
+        </p:nvSpPr>
+        <p:spPr>
+          <a:xfrm>
+            <a:off x="7715248" y="5735062"/>
+            <a:ext cx="679781" cy="202526"/>
+          </a:xfrm>
+          <a:prstGeom prst="rightArrow">
+            <a:avLst/>
+          </a:prstGeom>
+          <a:solidFill>
+            <a:srgbClr val="00B0F0"/>
+          </a:solidFill>
+        </p:spPr>
+        <p:style>
+          <a:lnRef idx="2">
+            <a:schemeClr val="accent1">
+              <a:shade val="50000"/>
+            </a:schemeClr>
+          </a:lnRef>
+          <a:fillRef idx="1">
+            <a:schemeClr val="accent1"/>
+          </a:fillRef>
+          <a:effectRef idx="0">
+            <a:schemeClr val="accent1"/>
+          </a:effectRef>
+          <a:fontRef idx="minor">
+            <a:schemeClr val="lt1"/>
+          </a:fontRef>
+        </p:style>
+        <p:txBody>
+          <a:bodyPr rtlCol="0" anchor="ctr"/>
+          <a:lstStyle/>
+          <a:p>
+            <a:pPr marL="0" algn="ctr" defTabSz="914400" rtl="0" eaLnBrk="1" latinLnBrk="0" hangingPunct="1"/>
+            <a:endParaRPr lang="en-IL"/>
+          </a:p>
+        </p:txBody>
+      </p:sp>
+      <p:sp>
+        <p:nvSpPr>
+          <p:cNvPr id="12" name="Rectangle 11">
+            <a:extLst>
+              <a:ext uri="{FF2B5EF4-FFF2-40B4-BE49-F238E27FC236}">
+                <a16:creationId xmlns:a16="http://schemas.microsoft.com/office/drawing/2014/main" id="{5FB3EE99-3105-2046-9AEE-DDABB72AABBE}"/>
+              </a:ext>
+            </a:extLst>
+          </p:cNvPr>
+          <p:cNvSpPr/>
+          <p:nvPr/>
+        </p:nvSpPr>
+        <p:spPr>
+          <a:xfrm>
+            <a:off x="3164304" y="2406319"/>
+            <a:ext cx="2564731" cy="1284123"/>
+          </a:xfrm>
+          <a:prstGeom prst="rect">
+            <a:avLst/>
+          </a:prstGeom>
+          <a:solidFill>
+            <a:srgbClr val="7030A0"/>
+          </a:solidFill>
+        </p:spPr>
+        <p:style>
+          <a:lnRef idx="2">
+            <a:schemeClr val="accent1">
+              <a:shade val="50000"/>
+            </a:schemeClr>
+          </a:lnRef>
+          <a:fillRef idx="1">
+            <a:schemeClr val="accent1"/>
+          </a:fillRef>
+          <a:effectRef idx="0">
+            <a:schemeClr val="accent1"/>
+          </a:effectRef>
+          <a:fontRef idx="minor">
+            <a:schemeClr val="lt1"/>
+          </a:fontRef>
+        </p:style>
+        <p:txBody>
+          <a:bodyPr rtlCol="0" anchor="ctr"/>
+          <a:lstStyle/>
+          <a:p>
+            <a:pPr algn="ctr" rtl="0"/>
+            <a:r>
+              <a:rPr lang="en-US" sz="2400" dirty="0"/>
+              <a:t>Learner</a:t>
+            </a:r>
+            <a:endParaRPr lang="en-IL" sz="2400" dirty="0"/>
+          </a:p>
+        </p:txBody>
+      </p:sp>
+      <p:sp>
+        <p:nvSpPr>
+          <p:cNvPr id="13" name="Rectangle 12">
+            <a:extLst>
+              <a:ext uri="{FF2B5EF4-FFF2-40B4-BE49-F238E27FC236}">
+                <a16:creationId xmlns:a16="http://schemas.microsoft.com/office/drawing/2014/main" id="{8610F01B-F595-C64C-A49B-E61CA3E786FC}"/>
+              </a:ext>
+            </a:extLst>
+          </p:cNvPr>
+          <p:cNvSpPr/>
+          <p:nvPr/>
+        </p:nvSpPr>
+        <p:spPr>
+          <a:xfrm>
+            <a:off x="6308556" y="2406319"/>
+            <a:ext cx="2564731" cy="1284123"/>
+          </a:xfrm>
+          <a:prstGeom prst="rect">
+            <a:avLst/>
+          </a:prstGeom>
+          <a:solidFill>
+            <a:srgbClr val="7030A0"/>
+          </a:solidFill>
+        </p:spPr>
+        <p:style>
+          <a:lnRef idx="2">
+            <a:schemeClr val="accent1">
+              <a:shade val="50000"/>
+            </a:schemeClr>
+          </a:lnRef>
+          <a:fillRef idx="1">
+            <a:schemeClr val="accent1"/>
+          </a:fillRef>
+          <a:effectRef idx="0">
+            <a:schemeClr val="accent1"/>
+          </a:effectRef>
+          <a:fontRef idx="minor">
+            <a:schemeClr val="lt1"/>
+          </a:fontRef>
+        </p:style>
+        <p:txBody>
+          <a:bodyPr rtlCol="0" anchor="ctr"/>
+          <a:lstStyle/>
+          <a:p>
+            <a:pPr algn="ctr" rtl="0"/>
+            <a:r>
+              <a:rPr lang="en-US" sz="2400" dirty="0"/>
+              <a:t>Adversary</a:t>
+            </a:r>
+            <a:endParaRPr lang="en-IL" sz="2400" dirty="0"/>
+          </a:p>
+        </p:txBody>
+      </p:sp>
+      <p:cxnSp>
+        <p:nvCxnSpPr>
+          <p:cNvPr id="15" name="Curved Connector 14">
+            <a:extLst>
+              <a:ext uri="{FF2B5EF4-FFF2-40B4-BE49-F238E27FC236}">
+                <a16:creationId xmlns:a16="http://schemas.microsoft.com/office/drawing/2014/main" id="{D658A2A0-D6D1-F045-BE22-AA1AA4DD08C8}"/>
+              </a:ext>
+            </a:extLst>
+          </p:cNvPr>
+          <p:cNvCxnSpPr>
+            <a:stCxn id="12" idx="0"/>
+            <a:endCxn id="13" idx="0"/>
+          </p:cNvCxnSpPr>
+          <p:nvPr/>
+        </p:nvCxnSpPr>
+        <p:spPr>
+          <a:xfrm rot="5400000" flipH="1" flipV="1">
+            <a:off x="6018796" y="834193"/>
+            <a:ext cx="12700" cy="3144252"/>
+          </a:xfrm>
+          <a:prstGeom prst="curvedConnector3">
+            <a:avLst>
+              <a:gd name="adj1" fmla="val 3600000"/>
+            </a:avLst>
+          </a:prstGeom>
+          <a:ln w="38100">
+            <a:solidFill>
+              <a:srgbClr val="00B0F0"/>
+            </a:solidFill>
+            <a:tailEnd type="triangle"/>
+          </a:ln>
+        </p:spPr>
+        <p:style>
+          <a:lnRef idx="1">
+            <a:schemeClr val="accent1"/>
+          </a:lnRef>
+          <a:fillRef idx="0">
+            <a:schemeClr val="accent1"/>
+          </a:fillRef>
+          <a:effectRef idx="0">
+            <a:schemeClr val="accent1"/>
+          </a:effectRef>
+          <a:fontRef idx="minor">
+            <a:schemeClr val="tx1"/>
+          </a:fontRef>
+        </p:style>
+      </p:cxnSp>
+      <p:cxnSp>
+        <p:nvCxnSpPr>
+          <p:cNvPr id="21" name="Curved Connector 20">
+            <a:extLst>
+              <a:ext uri="{FF2B5EF4-FFF2-40B4-BE49-F238E27FC236}">
+                <a16:creationId xmlns:a16="http://schemas.microsoft.com/office/drawing/2014/main" id="{8B33AE41-5351-3B41-91F9-2BB588942A28}"/>
+              </a:ext>
+            </a:extLst>
+          </p:cNvPr>
+          <p:cNvCxnSpPr/>
+          <p:nvPr/>
+        </p:nvCxnSpPr>
+        <p:spPr>
+          <a:xfrm rot="5400000" flipH="1" flipV="1">
+            <a:off x="6014782" y="2490540"/>
+            <a:ext cx="12700" cy="3144252"/>
+          </a:xfrm>
+          <a:prstGeom prst="curvedConnector3">
+            <a:avLst>
+              <a:gd name="adj1" fmla="val 3600000"/>
+            </a:avLst>
+          </a:prstGeom>
+          <a:ln w="38100">
+            <a:solidFill>
+              <a:srgbClr val="00B0F0"/>
+            </a:solidFill>
+            <a:tailEnd type="triangle"/>
+          </a:ln>
+          <a:scene3d>
+            <a:camera prst="orthographicFront">
+              <a:rot lat="0" lon="0" rev="10800000"/>
+            </a:camera>
+            <a:lightRig rig="threePt" dir="t"/>
+          </a:scene3d>
+        </p:spPr>
+        <p:style>
+          <a:lnRef idx="1">
+            <a:schemeClr val="accent1"/>
+          </a:lnRef>
+          <a:fillRef idx="0">
+            <a:schemeClr val="accent1"/>
+          </a:fillRef>
+          <a:effectRef idx="0">
+            <a:schemeClr val="accent1"/>
+          </a:effectRef>
+          <a:fontRef idx="minor">
+            <a:schemeClr val="tx1"/>
+          </a:fontRef>
+        </p:style>
+      </p:cxnSp>
+      <p:sp>
+        <p:nvSpPr>
+          <p:cNvPr id="24" name="TextBox 23">
+            <a:extLst>
+              <a:ext uri="{FF2B5EF4-FFF2-40B4-BE49-F238E27FC236}">
+                <a16:creationId xmlns:a16="http://schemas.microsoft.com/office/drawing/2014/main" id="{3FA70DD4-4663-7346-88E9-50B37B91805A}"/>
+              </a:ext>
+            </a:extLst>
+          </p:cNvPr>
+          <p:cNvSpPr txBox="1"/>
+          <p:nvPr/>
+        </p:nvSpPr>
+        <p:spPr>
+          <a:xfrm>
+            <a:off x="5306425" y="1512372"/>
+            <a:ext cx="1579147" cy="369332"/>
+          </a:xfrm>
+          <a:prstGeom prst="rect">
+            <a:avLst/>
+          </a:prstGeom>
+          <a:noFill/>
+        </p:spPr>
+        <p:txBody>
+          <a:bodyPr wrap="square" rtlCol="0">
+            <a:spAutoFit/>
+          </a:bodyPr>
+          <a:lstStyle/>
+          <a:p>
+            <a:pPr algn="l" rtl="0"/>
+            <a:r>
+              <a:rPr lang="en-IL" dirty="0"/>
+              <a:t>Train set losses</a:t>
+            </a:r>
+          </a:p>
+        </p:txBody>
+      </p:sp>
+      <p:sp>
+        <p:nvSpPr>
+          <p:cNvPr id="25" name="TextBox 24">
+            <a:extLst>
+              <a:ext uri="{FF2B5EF4-FFF2-40B4-BE49-F238E27FC236}">
+                <a16:creationId xmlns:a16="http://schemas.microsoft.com/office/drawing/2014/main" id="{7CCB1417-1B56-3240-8840-48046CB07B6B}"/>
+              </a:ext>
+            </a:extLst>
+          </p:cNvPr>
+          <p:cNvSpPr txBox="1"/>
+          <p:nvPr/>
+        </p:nvSpPr>
+        <p:spPr>
+          <a:xfrm>
+            <a:off x="4872245" y="4163787"/>
+            <a:ext cx="2447506" cy="646331"/>
+          </a:xfrm>
+          <a:prstGeom prst="rect">
+            <a:avLst/>
+          </a:prstGeom>
+          <a:noFill/>
+        </p:spPr>
+        <p:txBody>
+          <a:bodyPr wrap="square" rtlCol="0">
+            <a:spAutoFit/>
+          </a:bodyPr>
+          <a:lstStyle/>
+          <a:p>
+            <a:pPr marL="0" algn="l" defTabSz="914400" rtl="1" eaLnBrk="1" latinLnBrk="0" hangingPunct="1"/>
+            <a:r>
+              <a:rPr lang="en-US" dirty="0"/>
+              <a:t>Larger weights on the protected group </a:t>
+            </a:r>
+            <a:endParaRPr lang="en-IL" dirty="0"/>
+          </a:p>
+        </p:txBody>
+      </p:sp>
+      <p:sp>
+        <p:nvSpPr>
+          <p:cNvPr id="26" name="TextBox 25">
+            <a:extLst>
+              <a:ext uri="{FF2B5EF4-FFF2-40B4-BE49-F238E27FC236}">
+                <a16:creationId xmlns:a16="http://schemas.microsoft.com/office/drawing/2014/main" id="{54B9099D-C8D7-7448-9128-1AE4E9439700}"/>
+              </a:ext>
+            </a:extLst>
+          </p:cNvPr>
+          <p:cNvSpPr txBox="1"/>
+          <p:nvPr/>
+        </p:nvSpPr>
+        <p:spPr>
+          <a:xfrm>
+            <a:off x="9390659" y="2586715"/>
+            <a:ext cx="1461839" cy="923330"/>
+          </a:xfrm>
+          <a:prstGeom prst="rect">
+            <a:avLst/>
+          </a:prstGeom>
+          <a:noFill/>
+        </p:spPr>
+        <p:txBody>
+          <a:bodyPr wrap="square" rtlCol="0">
+            <a:spAutoFit/>
+          </a:bodyPr>
+          <a:lstStyle/>
+          <a:p>
+            <a:pPr marL="0" algn="l" defTabSz="914400" rtl="1" eaLnBrk="1" latinLnBrk="0" hangingPunct="1"/>
+            <a:r>
+              <a:rPr lang="en-US" dirty="0"/>
+              <a:t>Predict a protected group</a:t>
+            </a:r>
+            <a:endParaRPr lang="en-IL" dirty="0"/>
+          </a:p>
+        </p:txBody>
+      </p:sp>
+      <p:sp>
+        <p:nvSpPr>
+          <p:cNvPr id="40" name="Curved Left Arrow 39">
+            <a:extLst>
+              <a:ext uri="{FF2B5EF4-FFF2-40B4-BE49-F238E27FC236}">
+                <a16:creationId xmlns:a16="http://schemas.microsoft.com/office/drawing/2014/main" id="{6053F040-0D3F-5449-91C6-E6206F3F243F}"/>
+              </a:ext>
+            </a:extLst>
+          </p:cNvPr>
+          <p:cNvSpPr/>
+          <p:nvPr/>
+        </p:nvSpPr>
+        <p:spPr>
+          <a:xfrm>
+            <a:off x="8873287" y="2707105"/>
+            <a:ext cx="378997" cy="764265"/>
+          </a:xfrm>
+          <a:prstGeom prst="curvedLeftArrow">
+            <a:avLst/>
+          </a:prstGeom>
+        </p:spPr>
+        <p:style>
+          <a:lnRef idx="2">
+            <a:schemeClr val="accent1">
+              <a:shade val="50000"/>
+            </a:schemeClr>
+          </a:lnRef>
+          <a:fillRef idx="1">
+            <a:schemeClr val="accent1"/>
+          </a:fillRef>
+          <a:effectRef idx="0">
+            <a:schemeClr val="accent1"/>
+          </a:effectRef>
+          <a:fontRef idx="minor">
+            <a:schemeClr val="lt1"/>
+          </a:fontRef>
+        </p:style>
+        <p:txBody>
+          <a:bodyPr rtlCol="0" anchor="ctr"/>
+          <a:lstStyle/>
+          <a:p>
+            <a:pPr marL="0" algn="ctr" defTabSz="914400" rtl="0" eaLnBrk="1" latinLnBrk="0" hangingPunct="1"/>
+            <a:endParaRPr lang="en-IL">
+              <a:solidFill>
+                <a:schemeClr val="tx1"/>
+              </a:solidFill>
+            </a:endParaRPr>
+          </a:p>
+        </p:txBody>
+      </p:sp>
+      <p:sp>
+        <p:nvSpPr>
+          <p:cNvPr id="41" name="Curved Left Arrow 40">
+            <a:extLst>
+              <a:ext uri="{FF2B5EF4-FFF2-40B4-BE49-F238E27FC236}">
+                <a16:creationId xmlns:a16="http://schemas.microsoft.com/office/drawing/2014/main" id="{1B6AF80D-C477-1441-AB07-4DE6784933FA}"/>
+              </a:ext>
+            </a:extLst>
+          </p:cNvPr>
+          <p:cNvSpPr/>
+          <p:nvPr/>
+        </p:nvSpPr>
+        <p:spPr>
+          <a:xfrm rot="10800000">
+            <a:off x="2785300" y="2713455"/>
+            <a:ext cx="378997" cy="764265"/>
+          </a:xfrm>
+          <a:prstGeom prst="curvedLeftArrow">
+            <a:avLst/>
+          </a:prstGeom>
+        </p:spPr>
+        <p:style>
+          <a:lnRef idx="2">
+            <a:schemeClr val="accent1">
+              <a:shade val="50000"/>
+            </a:schemeClr>
+          </a:lnRef>
+          <a:fillRef idx="1">
+            <a:schemeClr val="accent1"/>
+          </a:fillRef>
+          <a:effectRef idx="0">
+            <a:schemeClr val="accent1"/>
+          </a:effectRef>
+          <a:fontRef idx="minor">
+            <a:schemeClr val="lt1"/>
+          </a:fontRef>
+        </p:style>
+        <p:txBody>
+          <a:bodyPr rtlCol="0" anchor="ctr"/>
+          <a:lstStyle/>
+          <a:p>
+            <a:pPr marL="0" algn="ctr" defTabSz="914400" rtl="0" eaLnBrk="1" latinLnBrk="0" hangingPunct="1"/>
+            <a:endParaRPr lang="en-IL">
+              <a:solidFill>
+                <a:schemeClr val="tx1"/>
+              </a:solidFill>
+            </a:endParaRPr>
+          </a:p>
+        </p:txBody>
+      </p:sp>
+      <p:sp>
+        <p:nvSpPr>
+          <p:cNvPr id="42" name="TextBox 41">
+            <a:extLst>
+              <a:ext uri="{FF2B5EF4-FFF2-40B4-BE49-F238E27FC236}">
+                <a16:creationId xmlns:a16="http://schemas.microsoft.com/office/drawing/2014/main" id="{6BF20B02-71EE-C54B-9989-A3FFB6CE04CB}"/>
+              </a:ext>
+            </a:extLst>
+          </p:cNvPr>
+          <p:cNvSpPr txBox="1"/>
+          <p:nvPr/>
+        </p:nvSpPr>
+        <p:spPr>
+          <a:xfrm>
+            <a:off x="1175052" y="2725214"/>
+            <a:ext cx="1699491" cy="646331"/>
+          </a:xfrm>
+          <a:prstGeom prst="rect">
+            <a:avLst/>
+          </a:prstGeom>
+          <a:noFill/>
+        </p:spPr>
+        <p:txBody>
+          <a:bodyPr wrap="square" rtlCol="0">
+            <a:spAutoFit/>
+          </a:bodyPr>
+          <a:lstStyle/>
+          <a:p>
+            <a:pPr marL="0" algn="l" defTabSz="914400" rtl="1" eaLnBrk="1" latinLnBrk="0" hangingPunct="1"/>
+            <a:r>
+              <a:rPr lang="en-US" dirty="0"/>
+              <a:t>Learn using the reweighted loss</a:t>
+            </a:r>
+            <a:endParaRPr lang="en-IL" dirty="0"/>
+          </a:p>
+        </p:txBody>
+      </p:sp>
+    </p:spTree>
+    <p:extLst>
+      <p:ext uri="{BB962C8B-B14F-4D97-AF65-F5344CB8AC3E}">
+        <p14:creationId xmlns:p14="http://schemas.microsoft.com/office/powerpoint/2010/main" val="2883637301"/>
+      </p:ext>
+    </p:extLst>
+  </p:cSld>
+  <p:clrMapOvr>
+    <a:masterClrMapping/>
+  </p:clrMapOvr>
+</p:sld>
+</file>
+
+<file path=ppt/slides/slide5.xml><?xml version="1.0" encoding="utf-8"?>
+<p:sld xmlns:a="http://schemas.openxmlformats.org/drawingml/2006/main" xmlns:r="http://schemas.openxmlformats.org/officeDocument/2006/relationships" xmlns:p="http://schemas.openxmlformats.org/presentationml/2006/main">
+  <p:cSld>
+    <p:spTree>
+      <p:nvGrpSpPr>
+        <p:cNvPr id="1" name=""/>
+        <p:cNvGrpSpPr/>
+        <p:nvPr/>
+      </p:nvGrpSpPr>
+      <p:grpSpPr>
+        <a:xfrm>
+          <a:off x="0" y="0"/>
+          <a:ext cx="0" cy="0"/>
+          <a:chOff x="0" y="0"/>
+          <a:chExt cx="0" cy="0"/>
+        </a:xfrm>
+      </p:grpSpPr>
+      <p:sp>
+        <p:nvSpPr>
+          <p:cNvPr id="2" name="Title 1">
+            <a:extLst>
+              <a:ext uri="{FF2B5EF4-FFF2-40B4-BE49-F238E27FC236}">
+                <a16:creationId xmlns:a16="http://schemas.microsoft.com/office/drawing/2014/main" id="{825B8A55-E212-B24A-893F-9AB03D2A04F8}"/>
+              </a:ext>
+            </a:extLst>
+          </p:cNvPr>
+          <p:cNvSpPr>
+            <a:spLocks noGrp="1"/>
+          </p:cNvSpPr>
+          <p:nvPr>
+            <p:ph type="title"/>
+          </p:nvPr>
+        </p:nvSpPr>
+        <p:spPr/>
+        <p:txBody>
+          <a:bodyPr/>
+          <a:lstStyle/>
+          <a:p>
+            <a:pPr algn="l" rtl="0"/>
+            <a:r>
+              <a:rPr lang="en-US" dirty="0"/>
               <a:t>Adversarial Reweighted Learning</a:t>
             </a:r>
             <a:endParaRPr lang="en-IL" dirty="0"/>
           </a:p>
         </p:txBody>
       </p:sp>
-      <mc:AlternateContent xmlns:mc="http://schemas.openxmlformats.org/markup-compatibility/2006" xmlns:a14="http://schemas.microsoft.com/office/drawing/2010/main">
-        <mc:Choice Requires="a14">
+      <mc:AlternateContent xmlns:mc="http://schemas.openxmlformats.org/markup-compatibility/2006">
+        <mc:Choice xmlns:a14="http://schemas.microsoft.com/office/drawing/2010/main" Requires="a14">
           <p:sp>
             <p:nvSpPr>
               <p:cNvPr id="3" name="Content Placeholder 2">
@@ -6003,7 +7424,12 @@
                 <p:ph idx="1"/>
               </p:nvPr>
             </p:nvSpPr>
-            <p:spPr/>
+            <p:spPr>
+              <a:xfrm>
+                <a:off x="838200" y="1825625"/>
+                <a:ext cx="11061032" cy="4351338"/>
+              </a:xfrm>
+            </p:spPr>
             <p:txBody>
               <a:bodyPr/>
               <a:lstStyle/>
@@ -6011,23 +7437,12 @@
                 <a:pPr algn="l" rtl="0"/>
                 <a:r>
                   <a:rPr lang="en-US" dirty="0"/>
-                  <a:t>In order to achieve fairness the authors choose to use Adversarial Reweighted Learning (ARL).</a:t>
+                  <a:t>We solve the following Min-Max problem:</a:t>
                 </a:r>
               </a:p>
               <a:p>
                 <a:pPr algn="l" rtl="0"/>
-                <a:r>
-                  <a:rPr lang="en-US" dirty="0"/>
-                  <a:t>Using a dual headed network, they defined the following </a:t>
-                </a:r>
-                <a:r>
-                  <a:rPr lang="en-US" dirty="0" err="1"/>
-                  <a:t>MinMax</a:t>
-                </a:r>
-                <a:r>
-                  <a:rPr lang="en-US" dirty="0"/>
-                  <a:t> problem:</a:t>
-                </a:r>
+                <a:endParaRPr lang="en-US" dirty="0"/>
               </a:p>
               <a:p>
                 <a:pPr marL="0" indent="0" algn="l">
@@ -6252,7 +7667,7 @@
                                 <a:rPr lang="en-US" b="0" i="1" smtClean="0">
                                   <a:latin typeface="Cambria Math" panose="02040503050406030204" pitchFamily="18" charset="0"/>
                                 </a:rPr>
-                                <m:t>𝒽</m:t>
+                                <m:t>h</m:t>
                               </m:r>
                               <m:d>
                                 <m:dPr>
@@ -6276,7 +7691,7 @@
                                         <a:rPr lang="en-US" b="0" i="1" smtClean="0">
                                           <a:latin typeface="Cambria Math" panose="02040503050406030204" pitchFamily="18" charset="0"/>
                                         </a:rPr>
-                                        <m:t>𝓍</m:t>
+                                        <m:t>𝑥</m:t>
                                       </m:r>
                                     </m:e>
                                     <m:sub>
@@ -6309,7 +7724,7 @@
                                     <a:rPr lang="en-US" b="0" i="1" smtClean="0">
                                       <a:latin typeface="Cambria Math" panose="02040503050406030204" pitchFamily="18" charset="0"/>
                                     </a:rPr>
-                                    <m:t>𝓎</m:t>
+                                    <m:t>𝑦</m:t>
                                   </m:r>
                                 </m:e>
                                 <m:sub>
@@ -6331,24 +7746,38 @@
                 <a:endParaRPr lang="en-US" dirty="0"/>
               </a:p>
               <a:p>
+                <a:pPr marL="0" indent="0" algn="l">
+                  <a:buNone/>
+                </a:pPr>
+                <a:endParaRPr lang="en-US" dirty="0"/>
+              </a:p>
+              <a:p>
                 <a:pPr algn="l" rtl="0"/>
                 <a:r>
-                  <a:rPr lang="en-US" dirty="0"/>
-                  <a:t>The base model tries to minimize the total loss </a:t>
-                </a:r>
-                <a:r>
-                  <a:rPr lang="en-US" dirty="0" err="1"/>
-                  <a:t>w.r.t.</a:t>
+                  <a:rPr lang="en-US" u="sng" dirty="0"/>
+                  <a:t>The adversary</a:t>
                 </a:r>
                 <a:r>
                   <a:rPr lang="en-US" dirty="0"/>
-                  <a:t> the weights (lambda values), while the adversarial model tries to find assignments to the weights in order to maximize the weighted loss.</a:t>
+                  <a:t>: finds the weights that will maximize the weighted loss</a:t>
+                </a:r>
+                <a:endParaRPr lang="en-US" u="sng" dirty="0"/>
+              </a:p>
+              <a:p>
+                <a:pPr algn="l" rtl="0"/>
+                <a:r>
+                  <a:rPr lang="en-US" u="sng" dirty="0"/>
+                  <a:t>The learner</a:t>
+                </a:r>
+                <a:r>
+                  <a:rPr lang="en-US" dirty="0"/>
+                  <a:t>: minimizes the weighted loss </a:t>
                 </a:r>
               </a:p>
             </p:txBody>
           </p:sp>
         </mc:Choice>
-        <mc:Fallback xmlns="">
+        <mc:Fallback>
           <p:sp>
             <p:nvSpPr>
               <p:cNvPr id="3" name="Content Placeholder 2">
@@ -6366,10 +7795,14 @@
               </p:nvPr>
             </p:nvSpPr>
             <p:spPr>
+              <a:xfrm>
+                <a:off x="838200" y="1825625"/>
+                <a:ext cx="11061032" cy="4351338"/>
+              </a:xfrm>
               <a:blipFill>
                 <a:blip r:embed="rId2"/>
                 <a:stretch>
-                  <a:fillRect l="-1043" t="-2241" r="-1623"/>
+                  <a:fillRect l="-1033" t="-2326"/>
                 </a:stretch>
               </a:blipFill>
             </p:spPr>
@@ -6401,7 +7834,7 @@
 </p:sld>
 </file>
 
-<file path=ppt/slides/slide5.xml><?xml version="1.0" encoding="utf-8"?>
+<file path=ppt/slides/slide6.xml><?xml version="1.0" encoding="utf-8"?>
 <p:sld xmlns:a="http://schemas.openxmlformats.org/drawingml/2006/main" xmlns:r="http://schemas.openxmlformats.org/officeDocument/2006/relationships" xmlns:p="http://schemas.openxmlformats.org/presentationml/2006/main">
   <p:cSld>
     <p:spTree>
@@ -6418,8 +7851,8 @@
           <a:chExt cx="0" cy="0"/>
         </a:xfrm>
       </p:grpSpPr>
-      <mc:AlternateContent xmlns:mc="http://schemas.openxmlformats.org/markup-compatibility/2006" xmlns:a14="http://schemas.microsoft.com/office/drawing/2010/main">
-        <mc:Choice Requires="a14">
+      <mc:AlternateContent xmlns:mc="http://schemas.openxmlformats.org/markup-compatibility/2006">
+        <mc:Choice xmlns:a14="http://schemas.microsoft.com/office/drawing/2010/main" Requires="a14">
           <p:sp>
             <p:nvSpPr>
               <p:cNvPr id="7" name="Text Placeholder 6">
@@ -6436,67 +7869,25 @@
                 <p:ph type="body" sz="half" idx="2"/>
               </p:nvPr>
             </p:nvSpPr>
-            <p:spPr/>
+            <p:spPr>
+              <a:xfrm>
+                <a:off x="839788" y="2057399"/>
+                <a:ext cx="5183188" cy="4704347"/>
+              </a:xfrm>
+            </p:spPr>
             <p:txBody>
               <a:bodyPr>
-                <a:normAutofit/>
+                <a:normAutofit lnSpcReduction="10000"/>
               </a:bodyPr>
               <a:lstStyle/>
               <a:p>
-                <a:pPr algn="l" rtl="0"/>
+                <a:pPr marL="342900" indent="-342900" algn="l" rtl="0">
+                  <a:buFont typeface="Arial" panose="020B0604020202020204" pitchFamily="34" charset="0"/>
+                  <a:buChar char="•"/>
+                </a:pPr>
                 <a:r>
                   <a:rPr lang="en-US" sz="2400" dirty="0"/>
-                  <a:t>In practice, the adversary head learns a </a:t>
-                </a:r>
-                <a14:m>
-                  <m:oMath xmlns:m="http://schemas.openxmlformats.org/officeDocument/2006/math">
-                    <m:sSub>
-                      <m:sSubPr>
-                        <m:ctrlPr>
-                          <a:rPr lang="en-US" sz="2400" b="0" i="1" smtClean="0">
-                            <a:latin typeface="Cambria Math" panose="02040503050406030204" pitchFamily="18" charset="0"/>
-                          </a:rPr>
-                        </m:ctrlPr>
-                      </m:sSubPr>
-                      <m:e>
-                        <m:r>
-                          <a:rPr lang="en-US" sz="2400" b="0" i="1" smtClean="0">
-                            <a:latin typeface="Cambria Math" panose="02040503050406030204" pitchFamily="18" charset="0"/>
-                          </a:rPr>
-                          <m:t>𝑓</m:t>
-                        </m:r>
-                      </m:e>
-                      <m:sub>
-                        <m:r>
-                          <m:rPr>
-                            <m:sty m:val="p"/>
-                          </m:rPr>
-                          <a:rPr lang="en-US" sz="2400" b="0" i="0" smtClean="0">
-                            <a:latin typeface="Cambria Math" panose="02040503050406030204" pitchFamily="18" charset="0"/>
-                          </a:rPr>
-                          <m:t>Φ</m:t>
-                        </m:r>
-                      </m:sub>
-                    </m:sSub>
-                  </m:oMath>
-                </a14:m>
-                <a:r>
-                  <a:rPr lang="en-US" sz="2400" dirty="0"/>
-                  <a:t> function, and we compute </a:t>
-                </a:r>
-                <a14:m>
-                  <m:oMath xmlns:m="http://schemas.openxmlformats.org/officeDocument/2006/math">
-                    <m:r>
-                      <a:rPr lang="en-US" sz="2400" b="0" i="1" smtClean="0">
-                        <a:latin typeface="Cambria Math" panose="02040503050406030204" pitchFamily="18" charset="0"/>
-                      </a:rPr>
-                      <m:t>𝜆</m:t>
-                    </m:r>
-                  </m:oMath>
-                </a14:m>
-                <a:r>
-                  <a:rPr lang="en-US" sz="2400" dirty="0"/>
-                  <a:t> values as a normalization over the </a:t>
+                  <a:t>The adversary learns a function </a:t>
                 </a:r>
                 <a14:m>
                   <m:oMath xmlns:m="http://schemas.openxmlformats.org/officeDocument/2006/math">
@@ -6532,13 +7923,139 @@
                 </a14:m>
                 <a:r>
                   <a:rPr lang="en-US" sz="2400" b="0" dirty="0"/>
-                  <a:t> output (in order to avoid zero weights for all and the exploding gradients problem).</a:t>
+                  <a:t>.</a:t>
                 </a:r>
+              </a:p>
+              <a:p>
+                <a:pPr marL="342900" indent="-342900" algn="l" rtl="0">
+                  <a:buFont typeface="Arial" panose="020B0604020202020204" pitchFamily="34" charset="0"/>
+                  <a:buChar char="•"/>
+                </a:pPr>
+                <a:endParaRPr lang="en-US" sz="2400" dirty="0"/>
+              </a:p>
+              <a:p>
+                <a:pPr marL="342900" indent="-342900" algn="l" rtl="0">
+                  <a:buFont typeface="Arial" panose="020B0604020202020204" pitchFamily="34" charset="0"/>
+                  <a:buChar char="•"/>
+                </a:pPr>
+                <a14:m>
+                  <m:oMath xmlns:m="http://schemas.openxmlformats.org/officeDocument/2006/math">
+                    <m:sSub>
+                      <m:sSubPr>
+                        <m:ctrlPr>
+                          <a:rPr lang="en-US" sz="2400" i="1">
+                            <a:latin typeface="Cambria Math" panose="02040503050406030204" pitchFamily="18" charset="0"/>
+                          </a:rPr>
+                        </m:ctrlPr>
+                      </m:sSubPr>
+                      <m:e>
+                        <m:r>
+                          <a:rPr lang="en-US" sz="2400" i="1">
+                            <a:latin typeface="Cambria Math" panose="02040503050406030204" pitchFamily="18" charset="0"/>
+                          </a:rPr>
+                          <m:t>𝑓</m:t>
+                        </m:r>
+                      </m:e>
+                      <m:sub>
+                        <m:r>
+                          <m:rPr>
+                            <m:sty m:val="p"/>
+                          </m:rPr>
+                          <a:rPr lang="en-US" sz="2400">
+                            <a:latin typeface="Cambria Math" panose="02040503050406030204" pitchFamily="18" charset="0"/>
+                          </a:rPr>
+                          <m:t>Φ</m:t>
+                        </m:r>
+                      </m:sub>
+                    </m:sSub>
+                    <m:r>
+                      <a:rPr lang="en-US" sz="2400" i="1">
+                        <a:latin typeface="Cambria Math" panose="02040503050406030204" pitchFamily="18" charset="0"/>
+                      </a:rPr>
+                      <m:t> </m:t>
+                    </m:r>
+                  </m:oMath>
+                </a14:m>
+                <a:r>
+                  <a:rPr lang="en-US" sz="2400" dirty="0"/>
+                  <a:t>is scaled to </a:t>
+                </a:r>
+                <a14:m>
+                  <m:oMath xmlns:m="http://schemas.openxmlformats.org/officeDocument/2006/math">
+                    <m:sSub>
+                      <m:sSubPr>
+                        <m:ctrlPr>
+                          <a:rPr lang="en-US" sz="2400" i="1">
+                            <a:latin typeface="Cambria Math" panose="02040503050406030204" pitchFamily="18" charset="0"/>
+                          </a:rPr>
+                        </m:ctrlPr>
+                      </m:sSubPr>
+                      <m:e>
+                        <m:r>
+                          <a:rPr lang="en-US" sz="2400" i="1">
+                            <a:latin typeface="Cambria Math" panose="02040503050406030204" pitchFamily="18" charset="0"/>
+                          </a:rPr>
+                          <m:t>𝜆</m:t>
+                        </m:r>
+                      </m:e>
+                      <m:sub>
+                        <m:r>
+                          <a:rPr lang="en-US" sz="2400" i="1">
+                            <a:latin typeface="Cambria Math" panose="02040503050406030204" pitchFamily="18" charset="0"/>
+                          </a:rPr>
+                          <m:t>𝑖</m:t>
+                        </m:r>
+                      </m:sub>
+                    </m:sSub>
+                  </m:oMath>
+                </a14:m>
+                <a:r>
+                  <a:rPr lang="en-US" sz="2400" dirty="0"/>
+                  <a:t>.</a:t>
+                </a:r>
+              </a:p>
+              <a:p>
+                <a:pPr algn="l" rtl="0"/>
+                <a:endParaRPr lang="en-US" sz="2400" dirty="0"/>
+              </a:p>
+              <a:p>
+                <a:pPr marL="342900" indent="-342900" algn="l" rtl="0">
+                  <a:buFont typeface="Arial" panose="020B0604020202020204" pitchFamily="34" charset="0"/>
+                  <a:buChar char="•"/>
+                </a:pPr>
+                <a:r>
+                  <a:rPr lang="en-US" sz="2400" b="0" dirty="0"/>
+                  <a:t>The scaling is done to avoid the zero weights and the exploding gradients problem.</a:t>
+                </a:r>
+              </a:p>
+              <a:p>
+                <a:pPr marL="342900" indent="-342900" algn="l" rtl="0">
+                  <a:buFont typeface="Arial" panose="020B0604020202020204" pitchFamily="34" charset="0"/>
+                  <a:buChar char="•"/>
+                </a:pPr>
+                <a:endParaRPr lang="en-US" sz="2400" dirty="0"/>
+              </a:p>
+              <a:p>
+                <a:pPr marL="342900" indent="-342900" algn="l" rtl="0">
+                  <a:buFont typeface="Arial" panose="020B0604020202020204" pitchFamily="34" charset="0"/>
+                  <a:buChar char="•"/>
+                </a:pPr>
+                <a:r>
+                  <a:rPr lang="en-US" sz="2400" dirty="0"/>
+                  <a:t>In an ideal scenario where the learner is fair across all protected groups, the adversary will suggest equal weights for all samples.</a:t>
+                </a:r>
+              </a:p>
+              <a:p>
+                <a:pPr marL="342900" indent="-342900" algn="l" rtl="0">
+                  <a:buFont typeface="Arial" panose="020B0604020202020204" pitchFamily="34" charset="0"/>
+                  <a:buChar char="•"/>
+                </a:pPr>
+                <a:endParaRPr lang="en-US" sz="2400" b="0" dirty="0"/>
               </a:p>
             </p:txBody>
           </p:sp>
         </mc:Choice>
-        <mc:Fallback xmlns="">
+        <mc:Fallback>
           <p:sp>
             <p:nvSpPr>
               <p:cNvPr id="7" name="Text Placeholder 6">
@@ -6556,10 +8073,14 @@
               </p:nvPr>
             </p:nvSpPr>
             <p:spPr>
+              <a:xfrm>
+                <a:off x="839788" y="2057399"/>
+                <a:ext cx="5183188" cy="4704347"/>
+              </a:xfrm>
               <a:blipFill>
                 <a:blip r:embed="rId2"/>
                 <a:stretch>
-                  <a:fillRect l="-2481" t="-2240" r="-2791"/>
+                  <a:fillRect l="-1711" t="-2151"/>
                 </a:stretch>
               </a:blipFill>
             </p:spPr>
@@ -6600,8 +8121,8 @@
         </p:blipFill>
         <p:spPr>
           <a:xfrm>
-            <a:off x="6022976" y="1571514"/>
-            <a:ext cx="6169024" cy="5286486"/>
+            <a:off x="7376226" y="2731169"/>
+            <a:ext cx="4815774" cy="4126831"/>
           </a:xfrm>
           <a:prstGeom prst="rect">
             <a:avLst/>
@@ -6668,107 +8189,6 @@
     <p:extLst>
       <p:ext uri="{BB962C8B-B14F-4D97-AF65-F5344CB8AC3E}">
         <p14:creationId xmlns:p14="http://schemas.microsoft.com/office/powerpoint/2010/main" val="1071556197"/>
-      </p:ext>
-    </p:extLst>
-  </p:cSld>
-  <p:clrMapOvr>
-    <a:masterClrMapping/>
-  </p:clrMapOvr>
-</p:sld>
-</file>
-
-<file path=ppt/slides/slide6.xml><?xml version="1.0" encoding="utf-8"?>
-<p:sld xmlns:a="http://schemas.openxmlformats.org/drawingml/2006/main" xmlns:r="http://schemas.openxmlformats.org/officeDocument/2006/relationships" xmlns:p="http://schemas.openxmlformats.org/presentationml/2006/main">
-  <p:cSld>
-    <p:spTree>
-      <p:nvGrpSpPr>
-        <p:cNvPr id="1" name=""/>
-        <p:cNvGrpSpPr/>
-        <p:nvPr/>
-      </p:nvGrpSpPr>
-      <p:grpSpPr>
-        <a:xfrm>
-          <a:off x="0" y="0"/>
-          <a:ext cx="0" cy="0"/>
-          <a:chOff x="0" y="0"/>
-          <a:chExt cx="0" cy="0"/>
-        </a:xfrm>
-      </p:grpSpPr>
-      <p:sp>
-        <p:nvSpPr>
-          <p:cNvPr id="2" name="Title 1">
-            <a:extLst>
-              <a:ext uri="{FF2B5EF4-FFF2-40B4-BE49-F238E27FC236}">
-                <a16:creationId xmlns:a16="http://schemas.microsoft.com/office/drawing/2014/main" id="{825B8A55-E212-B24A-893F-9AB03D2A04F8}"/>
-              </a:ext>
-            </a:extLst>
-          </p:cNvPr>
-          <p:cNvSpPr>
-            <a:spLocks noGrp="1"/>
-          </p:cNvSpPr>
-          <p:nvPr>
-            <p:ph type="title"/>
-          </p:nvPr>
-        </p:nvSpPr>
-        <p:spPr/>
-        <p:txBody>
-          <a:bodyPr/>
-          <a:lstStyle/>
-          <a:p>
-            <a:pPr algn="l" rtl="0"/>
-            <a:r>
-              <a:rPr lang="en-US" dirty="0"/>
-              <a:t>Adversarial Reweighted Learning</a:t>
-            </a:r>
-            <a:endParaRPr lang="en-IL" dirty="0"/>
-          </a:p>
-        </p:txBody>
-      </p:sp>
-      <p:sp>
-        <p:nvSpPr>
-          <p:cNvPr id="3" name="Content Placeholder 2">
-            <a:extLst>
-              <a:ext uri="{FF2B5EF4-FFF2-40B4-BE49-F238E27FC236}">
-                <a16:creationId xmlns:a16="http://schemas.microsoft.com/office/drawing/2014/main" id="{F6BA504D-21BB-B242-A1C3-7C0F0049E79F}"/>
-              </a:ext>
-            </a:extLst>
-          </p:cNvPr>
-          <p:cNvSpPr>
-            <a:spLocks noGrp="1"/>
-          </p:cNvSpPr>
-          <p:nvPr>
-            <p:ph idx="1"/>
-          </p:nvPr>
-        </p:nvSpPr>
-        <p:spPr/>
-        <p:txBody>
-          <a:bodyPr/>
-          <a:lstStyle/>
-          <a:p>
-            <a:pPr algn="l" rtl="0"/>
-            <a:r>
-              <a:rPr lang="en-US" dirty="0"/>
-              <a:t>The main idea behind this design is to achieve equal accuracy across all protected groups, since if the model preform worse on a specific group, it’s lambda values will increase, which will cause the model to better classify it’s members.</a:t>
-            </a:r>
-          </a:p>
-          <a:p>
-            <a:pPr algn="l" rtl="0"/>
-            <a:r>
-              <a:rPr lang="en-US" dirty="0"/>
-              <a:t>In an ideal scenario, the learner is fair of all protected groups, and thus will suggest equal </a:t>
-            </a:r>
-            <a:r>
-              <a:rPr lang="en-US"/>
-              <a:t>lambda values.</a:t>
-            </a:r>
-            <a:endParaRPr lang="en-US" dirty="0"/>
-          </a:p>
-        </p:txBody>
-      </p:sp>
-    </p:spTree>
-    <p:extLst>
-      <p:ext uri="{BB962C8B-B14F-4D97-AF65-F5344CB8AC3E}">
-        <p14:creationId xmlns:p14="http://schemas.microsoft.com/office/powerpoint/2010/main" val="2883637301"/>
       </p:ext>
     </p:extLst>
   </p:cSld>
@@ -7566,8 +8986,8 @@
           </a:p>
         </p:txBody>
       </p:sp>
-      <mc:AlternateContent xmlns:mc="http://schemas.openxmlformats.org/markup-compatibility/2006" xmlns:a14="http://schemas.microsoft.com/office/drawing/2010/main">
-        <mc:Choice Requires="a14">
+      <mc:AlternateContent xmlns:mc="http://schemas.openxmlformats.org/markup-compatibility/2006">
+        <mc:Choice xmlns:a14="http://schemas.microsoft.com/office/drawing/2010/main" Requires="a14">
           <p:sp>
             <p:nvSpPr>
               <p:cNvPr id="3" name="Content Placeholder 2">
@@ -7819,99 +9239,72 @@
                           </m:r>
                         </m:sup>
                         <m:e>
-                          <m:r>
-                            <a:rPr lang="en-US" i="1">
-                              <a:latin typeface="Cambria Math" panose="02040503050406030204" pitchFamily="18" charset="0"/>
-                            </a:rPr>
-                            <m:t>𝜌</m:t>
-                          </m:r>
                           <m:d>
                             <m:dPr>
+                              <m:begChr m:val="|"/>
+                              <m:endChr m:val="|"/>
                               <m:ctrlPr>
-                                <a:rPr lang="en-US" i="1">
+                                <a:rPr lang="en-US" b="0" i="1" smtClean="0">
                                   <a:latin typeface="Cambria Math" panose="02040503050406030204" pitchFamily="18" charset="0"/>
                                 </a:rPr>
                               </m:ctrlPr>
                             </m:dPr>
                             <m:e>
-                              <m:sSubSup>
-                                <m:sSubSupPr>
-                                  <m:ctrlPr>
-                                    <a:rPr lang="en-US" i="1">
-                                      <a:latin typeface="Cambria Math" panose="02040503050406030204" pitchFamily="18" charset="0"/>
-                                    </a:rPr>
-                                  </m:ctrlPr>
-                                </m:sSubSupPr>
-                                <m:e>
-                                  <m:r>
-                                    <a:rPr lang="en-US" i="1">
-                                      <a:latin typeface="Cambria Math" panose="02040503050406030204" pitchFamily="18" charset="0"/>
-                                    </a:rPr>
-                                    <m:t>𝑥</m:t>
-                                  </m:r>
-                                </m:e>
-                                <m:sub>
-                                  <m:r>
-                                    <a:rPr lang="en-US" i="1">
-                                      <a:latin typeface="Cambria Math" panose="02040503050406030204" pitchFamily="18" charset="0"/>
-                                    </a:rPr>
-                                    <m:t>𝑖</m:t>
-                                  </m:r>
-                                </m:sub>
-                                <m:sup>
-                                  <m:r>
-                                    <a:rPr lang="en-US" i="1">
-                                      <a:latin typeface="Cambria Math" panose="02040503050406030204" pitchFamily="18" charset="0"/>
-                                    </a:rPr>
-                                    <m:t>𝑗</m:t>
-                                  </m:r>
-                                </m:sup>
-                              </m:sSubSup>
                               <m:r>
                                 <a:rPr lang="en-US" i="1">
                                   <a:latin typeface="Cambria Math" panose="02040503050406030204" pitchFamily="18" charset="0"/>
-                                  <a:ea typeface="Cambria Math" panose="02040503050406030204" pitchFamily="18" charset="0"/>
                                 </a:rPr>
-                                <m:t>,ℓ</m:t>
+                                <m:t>𝜌</m:t>
                               </m:r>
                               <m:d>
                                 <m:dPr>
                                   <m:ctrlPr>
                                     <a:rPr lang="en-US" i="1">
                                       <a:latin typeface="Cambria Math" panose="02040503050406030204" pitchFamily="18" charset="0"/>
-                                      <a:ea typeface="Cambria Math" panose="02040503050406030204" pitchFamily="18" charset="0"/>
                                     </a:rPr>
                                   </m:ctrlPr>
                                 </m:dPr>
                                 <m:e>
-                                  <m:sSub>
-                                    <m:sSubPr>
+                                  <m:sSubSup>
+                                    <m:sSubSupPr>
                                       <m:ctrlPr>
                                         <a:rPr lang="en-US" i="1">
                                           <a:latin typeface="Cambria Math" panose="02040503050406030204" pitchFamily="18" charset="0"/>
-                                          <a:ea typeface="Cambria Math" panose="02040503050406030204" pitchFamily="18" charset="0"/>
                                         </a:rPr>
                                       </m:ctrlPr>
-                                    </m:sSubPr>
+                                    </m:sSubSupPr>
                                     <m:e>
                                       <m:r>
                                         <a:rPr lang="en-US" i="1">
                                           <a:latin typeface="Cambria Math" panose="02040503050406030204" pitchFamily="18" charset="0"/>
-                                          <a:ea typeface="Cambria Math" panose="02040503050406030204" pitchFamily="18" charset="0"/>
                                         </a:rPr>
-                                        <m:t>h</m:t>
+                                        <m:t>𝑥</m:t>
                                       </m:r>
                                     </m:e>
                                     <m:sub>
                                       <m:r>
                                         <a:rPr lang="en-US" i="1">
                                           <a:latin typeface="Cambria Math" panose="02040503050406030204" pitchFamily="18" charset="0"/>
-                                          <a:ea typeface="Cambria Math" panose="02040503050406030204" pitchFamily="18" charset="0"/>
                                         </a:rPr>
-                                        <m:t>𝜃</m:t>
+                                        <m:t>𝑖</m:t>
                                       </m:r>
                                     </m:sub>
-                                  </m:sSub>
+                                    <m:sup>
+                                      <m:r>
+                                        <a:rPr lang="en-US" i="1">
+                                          <a:latin typeface="Cambria Math" panose="02040503050406030204" pitchFamily="18" charset="0"/>
+                                        </a:rPr>
+                                        <m:t>𝑗</m:t>
+                                      </m:r>
+                                    </m:sup>
+                                  </m:sSubSup>
+                                  <m:r>
+                                    <a:rPr lang="en-US" i="1">
+                                      <a:latin typeface="Cambria Math" panose="02040503050406030204" pitchFamily="18" charset="0"/>
+                                      <a:ea typeface="Cambria Math" panose="02040503050406030204" pitchFamily="18" charset="0"/>
+                                    </a:rPr>
+                                    <m:t>,ℓ</m:t>
+                                  </m:r>
                                   <m:d>
                                     <m:dPr>
                                       <m:ctrlPr>
@@ -7937,7 +9330,82 @@
                                               <a:latin typeface="Cambria Math" panose="02040503050406030204" pitchFamily="18" charset="0"/>
                                               <a:ea typeface="Cambria Math" panose="02040503050406030204" pitchFamily="18" charset="0"/>
                                             </a:rPr>
-                                            <m:t>𝑥</m:t>
+                                            <m:t>h</m:t>
+                                          </m:r>
+                                        </m:e>
+                                        <m:sub>
+                                          <m:r>
+                                            <a:rPr lang="en-US" i="1">
+                                              <a:latin typeface="Cambria Math" panose="02040503050406030204" pitchFamily="18" charset="0"/>
+                                              <a:ea typeface="Cambria Math" panose="02040503050406030204" pitchFamily="18" charset="0"/>
+                                            </a:rPr>
+                                            <m:t>𝜃</m:t>
+                                          </m:r>
+                                        </m:sub>
+                                      </m:sSub>
+                                      <m:d>
+                                        <m:dPr>
+                                          <m:ctrlPr>
+                                            <a:rPr lang="en-US" i="1">
+                                              <a:latin typeface="Cambria Math" panose="02040503050406030204" pitchFamily="18" charset="0"/>
+                                              <a:ea typeface="Cambria Math" panose="02040503050406030204" pitchFamily="18" charset="0"/>
+                                            </a:rPr>
+                                          </m:ctrlPr>
+                                        </m:dPr>
+                                        <m:e>
+                                          <m:sSub>
+                                            <m:sSubPr>
+                                              <m:ctrlPr>
+                                                <a:rPr lang="en-US" i="1">
+                                                  <a:latin typeface="Cambria Math" panose="02040503050406030204" pitchFamily="18" charset="0"/>
+                                                  <a:ea typeface="Cambria Math" panose="02040503050406030204" pitchFamily="18" charset="0"/>
+                                                </a:rPr>
+                                              </m:ctrlPr>
+                                            </m:sSubPr>
+                                            <m:e>
+                                              <m:r>
+                                                <a:rPr lang="en-US" i="1">
+                                                  <a:latin typeface="Cambria Math" panose="02040503050406030204" pitchFamily="18" charset="0"/>
+                                                  <a:ea typeface="Cambria Math" panose="02040503050406030204" pitchFamily="18" charset="0"/>
+                                                </a:rPr>
+                                                <m:t>𝑥</m:t>
+                                              </m:r>
+                                            </m:e>
+                                            <m:sub>
+                                              <m:r>
+                                                <a:rPr lang="en-US" i="1">
+                                                  <a:latin typeface="Cambria Math" panose="02040503050406030204" pitchFamily="18" charset="0"/>
+                                                  <a:ea typeface="Cambria Math" panose="02040503050406030204" pitchFamily="18" charset="0"/>
+                                                </a:rPr>
+                                                <m:t>𝑖</m:t>
+                                              </m:r>
+                                            </m:sub>
+                                          </m:sSub>
+                                        </m:e>
+                                      </m:d>
+                                      <m:r>
+                                        <a:rPr lang="en-US" i="1">
+                                          <a:latin typeface="Cambria Math" panose="02040503050406030204" pitchFamily="18" charset="0"/>
+                                          <a:ea typeface="Cambria Math" panose="02040503050406030204" pitchFamily="18" charset="0"/>
+                                        </a:rPr>
+                                        <m:t>,</m:t>
+                                      </m:r>
+                                      <m:sSub>
+                                        <m:sSubPr>
+                                          <m:ctrlPr>
+                                            <a:rPr lang="en-US" i="1">
+                                              <a:latin typeface="Cambria Math" panose="02040503050406030204" pitchFamily="18" charset="0"/>
+                                              <a:ea typeface="Cambria Math" panose="02040503050406030204" pitchFamily="18" charset="0"/>
+                                            </a:rPr>
+                                          </m:ctrlPr>
+                                        </m:sSubPr>
+                                        <m:e>
+                                          <m:r>
+                                            <a:rPr lang="en-US" i="1">
+                                              <a:latin typeface="Cambria Math" panose="02040503050406030204" pitchFamily="18" charset="0"/>
+                                              <a:ea typeface="Cambria Math" panose="02040503050406030204" pitchFamily="18" charset="0"/>
+                                            </a:rPr>
+                                            <m:t>𝑦</m:t>
                                           </m:r>
                                         </m:e>
                                         <m:sub>
@@ -7952,217 +9420,12 @@
                                       </m:sSub>
                                     </m:e>
                                   </m:d>
-                                  <m:r>
-                                    <a:rPr lang="en-US" i="1">
-                                      <a:latin typeface="Cambria Math" panose="02040503050406030204" pitchFamily="18" charset="0"/>
-                                      <a:ea typeface="Cambria Math" panose="02040503050406030204" pitchFamily="18" charset="0"/>
-                                    </a:rPr>
-                                    <m:t>,</m:t>
-                                  </m:r>
-                                  <m:sSub>
-                                    <m:sSubPr>
-                                      <m:ctrlPr>
-                                        <a:rPr lang="en-US" i="1">
-                                          <a:latin typeface="Cambria Math" panose="02040503050406030204" pitchFamily="18" charset="0"/>
-                                          <a:ea typeface="Cambria Math" panose="02040503050406030204" pitchFamily="18" charset="0"/>
-                                        </a:rPr>
-                                      </m:ctrlPr>
-                                    </m:sSubPr>
-                                    <m:e>
-                                      <m:r>
-                                        <a:rPr lang="en-US" i="1">
-                                          <a:latin typeface="Cambria Math" panose="02040503050406030204" pitchFamily="18" charset="0"/>
-                                          <a:ea typeface="Cambria Math" panose="02040503050406030204" pitchFamily="18" charset="0"/>
-                                        </a:rPr>
-                                        <m:t>𝑦</m:t>
-                                      </m:r>
-                                    </m:e>
-                                    <m:sub>
-                                      <m:r>
-                                        <a:rPr lang="en-US" i="1">
-                                          <a:latin typeface="Cambria Math" panose="02040503050406030204" pitchFamily="18" charset="0"/>
-                                          <a:ea typeface="Cambria Math" panose="02040503050406030204" pitchFamily="18" charset="0"/>
-                                        </a:rPr>
-                                        <m:t>𝑖</m:t>
-                                      </m:r>
-                                    </m:sub>
-                                  </m:sSub>
                                 </m:e>
                               </m:d>
                             </m:e>
                           </m:d>
                         </m:e>
                       </m:nary>
-                      <m:r>
-                        <a:rPr lang="en-US" b="0" i="1" smtClean="0">
-                          <a:latin typeface="Cambria Math" panose="02040503050406030204" pitchFamily="18" charset="0"/>
-                        </a:rPr>
-                        <m:t>+</m:t>
-                      </m:r>
-                      <m:r>
-                        <a:rPr lang="en-US" i="1">
-                          <a:latin typeface="Cambria Math" panose="02040503050406030204" pitchFamily="18" charset="0"/>
-                        </a:rPr>
-                        <m:t>𝜌</m:t>
-                      </m:r>
-                      <m:d>
-                        <m:dPr>
-                          <m:ctrlPr>
-                            <a:rPr lang="en-US" i="1">
-                              <a:latin typeface="Cambria Math" panose="02040503050406030204" pitchFamily="18" charset="0"/>
-                            </a:rPr>
-                          </m:ctrlPr>
-                        </m:dPr>
-                        <m:e>
-                          <m:sSub>
-                            <m:sSubPr>
-                              <m:ctrlPr>
-                                <a:rPr lang="en-US" b="0" i="1" smtClean="0">
-                                  <a:latin typeface="Cambria Math" panose="02040503050406030204" pitchFamily="18" charset="0"/>
-                                </a:rPr>
-                              </m:ctrlPr>
-                            </m:sSubPr>
-                            <m:e>
-                              <m:r>
-                                <a:rPr lang="en-US" b="0" i="1" smtClean="0">
-                                  <a:latin typeface="Cambria Math" panose="02040503050406030204" pitchFamily="18" charset="0"/>
-                                </a:rPr>
-                                <m:t>𝑦</m:t>
-                              </m:r>
-                            </m:e>
-                            <m:sub>
-                              <m:r>
-                                <a:rPr lang="en-US" b="0" i="1" smtClean="0">
-                                  <a:latin typeface="Cambria Math" panose="02040503050406030204" pitchFamily="18" charset="0"/>
-                                </a:rPr>
-                                <m:t>𝑖</m:t>
-                              </m:r>
-                            </m:sub>
-                          </m:sSub>
-                          <m:r>
-                            <a:rPr lang="en-US" i="1">
-                              <a:latin typeface="Cambria Math" panose="02040503050406030204" pitchFamily="18" charset="0"/>
-                              <a:ea typeface="Cambria Math" panose="02040503050406030204" pitchFamily="18" charset="0"/>
-                            </a:rPr>
-                            <m:t>,ℓ</m:t>
-                          </m:r>
-                          <m:d>
-                            <m:dPr>
-                              <m:ctrlPr>
-                                <a:rPr lang="en-US" i="1">
-                                  <a:latin typeface="Cambria Math" panose="02040503050406030204" pitchFamily="18" charset="0"/>
-                                  <a:ea typeface="Cambria Math" panose="02040503050406030204" pitchFamily="18" charset="0"/>
-                                </a:rPr>
-                              </m:ctrlPr>
-                            </m:dPr>
-                            <m:e>
-                              <m:sSub>
-                                <m:sSubPr>
-                                  <m:ctrlPr>
-                                    <a:rPr lang="en-US" i="1">
-                                      <a:latin typeface="Cambria Math" panose="02040503050406030204" pitchFamily="18" charset="0"/>
-                                      <a:ea typeface="Cambria Math" panose="02040503050406030204" pitchFamily="18" charset="0"/>
-                                    </a:rPr>
-                                  </m:ctrlPr>
-                                </m:sSubPr>
-                                <m:e>
-                                  <m:r>
-                                    <a:rPr lang="en-US" i="1">
-                                      <a:latin typeface="Cambria Math" panose="02040503050406030204" pitchFamily="18" charset="0"/>
-                                      <a:ea typeface="Cambria Math" panose="02040503050406030204" pitchFamily="18" charset="0"/>
-                                    </a:rPr>
-                                    <m:t>h</m:t>
-                                  </m:r>
-                                </m:e>
-                                <m:sub>
-                                  <m:r>
-                                    <a:rPr lang="en-US" i="1">
-                                      <a:latin typeface="Cambria Math" panose="02040503050406030204" pitchFamily="18" charset="0"/>
-                                      <a:ea typeface="Cambria Math" panose="02040503050406030204" pitchFamily="18" charset="0"/>
-                                    </a:rPr>
-                                    <m:t>𝜃</m:t>
-                                  </m:r>
-                                </m:sub>
-                              </m:sSub>
-                              <m:d>
-                                <m:dPr>
-                                  <m:ctrlPr>
-                                    <a:rPr lang="en-US" i="1">
-                                      <a:latin typeface="Cambria Math" panose="02040503050406030204" pitchFamily="18" charset="0"/>
-                                      <a:ea typeface="Cambria Math" panose="02040503050406030204" pitchFamily="18" charset="0"/>
-                                    </a:rPr>
-                                  </m:ctrlPr>
-                                </m:dPr>
-                                <m:e>
-                                  <m:sSub>
-                                    <m:sSubPr>
-                                      <m:ctrlPr>
-                                        <a:rPr lang="en-US" i="1">
-                                          <a:latin typeface="Cambria Math" panose="02040503050406030204" pitchFamily="18" charset="0"/>
-                                          <a:ea typeface="Cambria Math" panose="02040503050406030204" pitchFamily="18" charset="0"/>
-                                        </a:rPr>
-                                      </m:ctrlPr>
-                                    </m:sSubPr>
-                                    <m:e>
-                                      <m:r>
-                                        <a:rPr lang="en-US" i="1">
-                                          <a:latin typeface="Cambria Math" panose="02040503050406030204" pitchFamily="18" charset="0"/>
-                                          <a:ea typeface="Cambria Math" panose="02040503050406030204" pitchFamily="18" charset="0"/>
-                                        </a:rPr>
-                                        <m:t>𝑥</m:t>
-                                      </m:r>
-                                    </m:e>
-                                    <m:sub>
-                                      <m:r>
-                                        <a:rPr lang="en-US" i="1">
-                                          <a:latin typeface="Cambria Math" panose="02040503050406030204" pitchFamily="18" charset="0"/>
-                                          <a:ea typeface="Cambria Math" panose="02040503050406030204" pitchFamily="18" charset="0"/>
-                                        </a:rPr>
-                                        <m:t>𝑖</m:t>
-                                      </m:r>
-                                    </m:sub>
-                                  </m:sSub>
-                                </m:e>
-                              </m:d>
-                              <m:r>
-                                <a:rPr lang="en-US" i="1">
-                                  <a:latin typeface="Cambria Math" panose="02040503050406030204" pitchFamily="18" charset="0"/>
-                                  <a:ea typeface="Cambria Math" panose="02040503050406030204" pitchFamily="18" charset="0"/>
-                                </a:rPr>
-                                <m:t>,</m:t>
-                              </m:r>
-                              <m:sSub>
-                                <m:sSubPr>
-                                  <m:ctrlPr>
-                                    <a:rPr lang="en-US" i="1">
-                                      <a:latin typeface="Cambria Math" panose="02040503050406030204" pitchFamily="18" charset="0"/>
-                                      <a:ea typeface="Cambria Math" panose="02040503050406030204" pitchFamily="18" charset="0"/>
-                                    </a:rPr>
-                                  </m:ctrlPr>
-                                </m:sSubPr>
-                                <m:e>
-                                  <m:r>
-                                    <a:rPr lang="en-US" i="1">
-                                      <a:latin typeface="Cambria Math" panose="02040503050406030204" pitchFamily="18" charset="0"/>
-                                      <a:ea typeface="Cambria Math" panose="02040503050406030204" pitchFamily="18" charset="0"/>
-                                    </a:rPr>
-                                    <m:t>𝑦</m:t>
-                                  </m:r>
-                                </m:e>
-                                <m:sub>
-                                  <m:r>
-                                    <a:rPr lang="en-US" i="1">
-                                      <a:latin typeface="Cambria Math" panose="02040503050406030204" pitchFamily="18" charset="0"/>
-                                      <a:ea typeface="Cambria Math" panose="02040503050406030204" pitchFamily="18" charset="0"/>
-                                    </a:rPr>
-                                    <m:t>𝑖</m:t>
-                                  </m:r>
-                                </m:sub>
-                              </m:sSub>
-                            </m:e>
-                          </m:d>
-                        </m:e>
-                      </m:d>
                     </m:oMath>
                   </m:oMathPara>
                 </a14:m>
@@ -8184,7 +9447,7 @@
             </p:txBody>
           </p:sp>
         </mc:Choice>
-        <mc:Fallback xmlns="">
+        <mc:Fallback>
           <p:sp>
             <p:nvSpPr>
               <p:cNvPr id="3" name="Content Placeholder 2">
@@ -8530,4 +9793,299 @@
     </a:ext>
   </a:extLst>
 </a:theme>
+</file>
+
+<file path=ppt/theme/theme2.xml><?xml version="1.0" encoding="utf-8"?>
+<a:theme xmlns:a="http://schemas.openxmlformats.org/drawingml/2006/main" name="Office Theme">
+  <a:themeElements>
+    <a:clrScheme name="Office">
+      <a:dk1>
+        <a:sysClr val="windowText" lastClr="000000"/>
+      </a:dk1>
+      <a:lt1>
+        <a:sysClr val="window" lastClr="FFFFFF"/>
+      </a:lt1>
+      <a:dk2>
+        <a:srgbClr val="44546A"/>
+      </a:dk2>
+      <a:lt2>
+        <a:srgbClr val="E7E6E6"/>
+      </a:lt2>
+      <a:accent1>
+        <a:srgbClr val="4472C4"/>
+      </a:accent1>
+      <a:accent2>
+        <a:srgbClr val="ED7D31"/>
+      </a:accent2>
+      <a:accent3>
+        <a:srgbClr val="A5A5A5"/>
+      </a:accent3>
+      <a:accent4>
+        <a:srgbClr val="FFC000"/>
+      </a:accent4>
+      <a:accent5>
+        <a:srgbClr val="5B9BD5"/>
+      </a:accent5>
+      <a:accent6>
+        <a:srgbClr val="70AD47"/>
+      </a:accent6>
+      <a:hlink>
+        <a:srgbClr val="0563C1"/>
+      </a:hlink>
+      <a:folHlink>
+        <a:srgbClr val="954F72"/>
+      </a:folHlink>
+    </a:clrScheme>
+    <a:fontScheme name="Office">
+      <a:majorFont>
+        <a:latin typeface="Calibri Light" panose="020F0302020204030204"/>
+        <a:ea typeface=""/>
+        <a:cs typeface=""/>
+        <a:font script="Jpan" typeface="游ゴシック Light"/>
+        <a:font script="Hang" typeface="맑은 고딕"/>
+        <a:font script="Hans" typeface="等线 Light"/>
+        <a:font script="Hant" typeface="新細明體"/>
+        <a:font script="Arab" typeface="Times New Roman"/>
+        <a:font script="Hebr" typeface="Times New Roman"/>
+        <a:font script="Thai" typeface="Angsana New"/>
+        <a:font script="Ethi" typeface="Nyala"/>
+        <a:font script="Beng" typeface="Vrinda"/>
+        <a:font script="Gujr" typeface="Shruti"/>
+        <a:font script="Khmr" typeface="MoolBoran"/>
+        <a:font script="Knda" typeface="Tunga"/>
+        <a:font script="Guru" typeface="Raavi"/>
+        <a:font script="Cans" typeface="Euphemia"/>
+        <a:font script="Cher" typeface="Plantagenet Cherokee"/>
+        <a:font script="Yiii" typeface="Microsoft Yi Baiti"/>
+        <a:font script="Tibt" typeface="Microsoft Himalaya"/>
+        <a:font script="Thaa" typeface="MV Boli"/>
+        <a:font script="Deva" typeface="Mangal"/>
+        <a:font script="Telu" typeface="Gautami"/>
+        <a:font script="Taml" typeface="Latha"/>
+        <a:font script="Syrc" typeface="Estrangelo Edessa"/>
+        <a:font script="Orya" typeface="Kalinga"/>
+        <a:font script="Mlym" typeface="Kartika"/>
+        <a:font script="Laoo" typeface="DokChampa"/>
+        <a:font script="Sinh" typeface="Iskoola Pota"/>
+        <a:font script="Mong" typeface="Mongolian Baiti"/>
+        <a:font script="Viet" typeface="Times New Roman"/>
+        <a:font script="Uigh" typeface="Microsoft Uighur"/>
+        <a:font script="Geor" typeface="Sylfaen"/>
+        <a:font script="Armn" typeface="Arial"/>
+        <a:font script="Bugi" typeface="Leelawadee UI"/>
+        <a:font script="Bopo" typeface="Microsoft JhengHei"/>
+        <a:font script="Java" typeface="Javanese Text"/>
+        <a:font script="Lisu" typeface="Segoe UI"/>
+        <a:font script="Mymr" typeface="Myanmar Text"/>
+        <a:font script="Nkoo" typeface="Ebrima"/>
+        <a:font script="Olck" typeface="Nirmala UI"/>
+        <a:font script="Osma" typeface="Ebrima"/>
+        <a:font script="Phag" typeface="Phagspa"/>
+        <a:font script="Syrn" typeface="Estrangelo Edessa"/>
+        <a:font script="Syrj" typeface="Estrangelo Edessa"/>
+        <a:font script="Syre" typeface="Estrangelo Edessa"/>
+        <a:font script="Sora" typeface="Nirmala UI"/>
+        <a:font script="Tale" typeface="Microsoft Tai Le"/>
+        <a:font script="Talu" typeface="Microsoft New Tai Lue"/>
+        <a:font script="Tfng" typeface="Ebrima"/>
+      </a:majorFont>
+      <a:minorFont>
+        <a:latin typeface="Calibri" panose="020F0502020204030204"/>
+        <a:ea typeface=""/>
+        <a:cs typeface=""/>
+        <a:font script="Jpan" typeface="游ゴシック"/>
+        <a:font script="Hang" typeface="맑은 고딕"/>
+        <a:font script="Hans" typeface="等线"/>
+        <a:font script="Hant" typeface="新細明體"/>
+        <a:font script="Arab" typeface="Arial"/>
+        <a:font script="Hebr" typeface="Arial"/>
+        <a:font script="Thai" typeface="Cordia New"/>
+        <a:font script="Ethi" typeface="Nyala"/>
+        <a:font script="Beng" typeface="Vrinda"/>
+        <a:font script="Gujr" typeface="Shruti"/>
+        <a:font script="Khmr" typeface="DaunPenh"/>
+        <a:font script="Knda" typeface="Tunga"/>
+        <a:font script="Guru" typeface="Raavi"/>
+        <a:font script="Cans" typeface="Euphemia"/>
+        <a:font script="Cher" typeface="Plantagenet Cherokee"/>
+        <a:font script="Yiii" typeface="Microsoft Yi Baiti"/>
+        <a:font script="Tibt" typeface="Microsoft Himalaya"/>
+        <a:font script="Thaa" typeface="MV Boli"/>
+        <a:font script="Deva" typeface="Mangal"/>
+        <a:font script="Telu" typeface="Gautami"/>
+        <a:font script="Taml" typeface="Latha"/>
+        <a:font script="Syrc" typeface="Estrangelo Edessa"/>
+        <a:font script="Orya" typeface="Kalinga"/>
+        <a:font script="Mlym" typeface="Kartika"/>
+        <a:font script="Laoo" typeface="DokChampa"/>
+        <a:font script="Sinh" typeface="Iskoola Pota"/>
+        <a:font script="Mong" typeface="Mongolian Baiti"/>
+        <a:font script="Viet" typeface="Arial"/>
+        <a:font script="Uigh" typeface="Microsoft Uighur"/>
+        <a:font script="Geor" typeface="Sylfaen"/>
+        <a:font script="Armn" typeface="Arial"/>
+        <a:font script="Bugi" typeface="Leelawadee UI"/>
+        <a:font script="Bopo" typeface="Microsoft JhengHei"/>
+        <a:font script="Java" typeface="Javanese Text"/>
+        <a:font script="Lisu" typeface="Segoe UI"/>
+        <a:font script="Mymr" typeface="Myanmar Text"/>
+        <a:font script="Nkoo" typeface="Ebrima"/>
+        <a:font script="Olck" typeface="Nirmala UI"/>
+        <a:font script="Osma" typeface="Ebrima"/>
+        <a:font script="Phag" typeface="Phagspa"/>
+        <a:font script="Syrn" typeface="Estrangelo Edessa"/>
+        <a:font script="Syrj" typeface="Estrangelo Edessa"/>
+        <a:font script="Syre" typeface="Estrangelo Edessa"/>
+        <a:font script="Sora" typeface="Nirmala UI"/>
+        <a:font script="Tale" typeface="Microsoft Tai Le"/>
+        <a:font script="Talu" typeface="Microsoft New Tai Lue"/>
+        <a:font script="Tfng" typeface="Ebrima"/>
+      </a:minorFont>
+    </a:fontScheme>
+    <a:fmtScheme name="Office">
+      <a:fillStyleLst>
+        <a:solidFill>
+          <a:schemeClr val="phClr"/>
+        </a:solidFill>
+        <a:gradFill rotWithShape="1">
+          <a:gsLst>
+            <a:gs pos="0">
+              <a:schemeClr val="phClr">
+                <a:lumMod val="110000"/>
+                <a:satMod val="105000"/>
+                <a:tint val="67000"/>
+              </a:schemeClr>
+            </a:gs>
+            <a:gs pos="50000">
+              <a:schemeClr val="phClr">
+                <a:lumMod val="105000"/>
+                <a:satMod val="103000"/>
+                <a:tint val="73000"/>
+              </a:schemeClr>
+            </a:gs>
+            <a:gs pos="100000">
+              <a:schemeClr val="phClr">
+                <a:lumMod val="105000"/>
+                <a:satMod val="109000"/>
+                <a:tint val="81000"/>
+              </a:schemeClr>
+            </a:gs>
+          </a:gsLst>
+          <a:lin ang="5400000" scaled="0"/>
+        </a:gradFill>
+        <a:gradFill rotWithShape="1">
+          <a:gsLst>
+            <a:gs pos="0">
+              <a:schemeClr val="phClr">
+                <a:satMod val="103000"/>
+                <a:lumMod val="102000"/>
+                <a:tint val="94000"/>
+              </a:schemeClr>
+            </a:gs>
+            <a:gs pos="50000">
+              <a:schemeClr val="phClr">
+                <a:satMod val="110000"/>
+                <a:lumMod val="100000"/>
+                <a:shade val="100000"/>
+              </a:schemeClr>
+            </a:gs>
+            <a:gs pos="100000">
+              <a:schemeClr val="phClr">
+                <a:lumMod val="99000"/>
+                <a:satMod val="120000"/>
+                <a:shade val="78000"/>
+              </a:schemeClr>
+            </a:gs>
+          </a:gsLst>
+          <a:lin ang="5400000" scaled="0"/>
+        </a:gradFill>
+      </a:fillStyleLst>
+      <a:lnStyleLst>
+        <a:ln w="6350" cap="flat" cmpd="sng" algn="ctr">
+          <a:solidFill>
+            <a:schemeClr val="phClr"/>
+          </a:solidFill>
+          <a:prstDash val="solid"/>
+          <a:miter lim="800000"/>
+        </a:ln>
+        <a:ln w="12700" cap="flat" cmpd="sng" algn="ctr">
+          <a:solidFill>
+            <a:schemeClr val="phClr"/>
+          </a:solidFill>
+          <a:prstDash val="solid"/>
+          <a:miter lim="800000"/>
+        </a:ln>
+        <a:ln w="19050" cap="flat" cmpd="sng" algn="ctr">
+          <a:solidFill>
+            <a:schemeClr val="phClr"/>
+          </a:solidFill>
+          <a:prstDash val="solid"/>
+          <a:miter lim="800000"/>
+        </a:ln>
+      </a:lnStyleLst>
+      <a:effectStyleLst>
+        <a:effectStyle>
+          <a:effectLst/>
+        </a:effectStyle>
+        <a:effectStyle>
+          <a:effectLst/>
+        </a:effectStyle>
+        <a:effectStyle>
+          <a:effectLst>
+            <a:outerShdw blurRad="57150" dist="19050" dir="5400000" algn="ctr" rotWithShape="0">
+              <a:srgbClr val="000000">
+                <a:alpha val="63000"/>
+              </a:srgbClr>
+            </a:outerShdw>
+          </a:effectLst>
+        </a:effectStyle>
+      </a:effectStyleLst>
+      <a:bgFillStyleLst>
+        <a:solidFill>
+          <a:schemeClr val="phClr"/>
+        </a:solidFill>
+        <a:solidFill>
+          <a:schemeClr val="phClr">
+            <a:tint val="95000"/>
+            <a:satMod val="170000"/>
+          </a:schemeClr>
+        </a:solidFill>
+        <a:gradFill rotWithShape="1">
+          <a:gsLst>
+            <a:gs pos="0">
+              <a:schemeClr val="phClr">
+                <a:tint val="93000"/>
+                <a:satMod val="150000"/>
+                <a:shade val="98000"/>
+                <a:lumMod val="102000"/>
+              </a:schemeClr>
+            </a:gs>
+            <a:gs pos="50000">
+              <a:schemeClr val="phClr">
+                <a:tint val="98000"/>
+                <a:satMod val="130000"/>
+                <a:shade val="90000"/>
+                <a:lumMod val="103000"/>
+              </a:schemeClr>
+            </a:gs>
+            <a:gs pos="100000">
+              <a:schemeClr val="phClr">
+                <a:shade val="63000"/>
+                <a:satMod val="120000"/>
+              </a:schemeClr>
+            </a:gs>
+          </a:gsLst>
+          <a:lin ang="5400000" scaled="0"/>
+        </a:gradFill>
+      </a:bgFillStyleLst>
+    </a:fmtScheme>
+  </a:themeElements>
+  <a:objectDefaults/>
+  <a:extraClrSchemeLst/>
+  <a:extLst>
+    <a:ext uri="{05A4C25C-085E-4340-85A3-A5531E510DB2}">
+      <thm15:themeFamily xmlns:thm15="http://schemas.microsoft.com/office/thememl/2012/main" name="Office Theme" id="{62F939B6-93AF-4DB8-9C6B-D6C7DFDC589F}" vid="{4A3C46E8-61CC-4603-A589-7422A47A8E4A}"/>
+    </a:ext>
+  </a:extLst>
+</a:theme>
 </file>
--- a/236802/ARL presentation.pptx
+++ b/236802/ARL presentation.pptx
@@ -8604,8 +8604,8 @@
           </a:p>
         </p:txBody>
       </p:sp>
-      <mc:AlternateContent xmlns:mc="http://schemas.openxmlformats.org/markup-compatibility/2006" xmlns:a14="http://schemas.microsoft.com/office/drawing/2010/main">
-        <mc:Choice Requires="a14">
+      <mc:AlternateContent xmlns:mc="http://schemas.openxmlformats.org/markup-compatibility/2006">
+        <mc:Choice xmlns:a14="http://schemas.microsoft.com/office/drawing/2010/main" Requires="a14">
           <p:sp>
             <p:nvSpPr>
               <p:cNvPr id="3" name="Content Placeholder 2">
@@ -8676,7 +8676,7 @@
                 </a:pPr>
                 <a:r>
                   <a:rPr lang="en-US" dirty="0"/>
-                  <a:t>Instead, we can demand  that the loss will be independent of the feature vector:</a:t>
+                  <a:t>Instead, we can demand that the loss will be independent of the feature vector:</a:t>
                 </a:r>
               </a:p>
               <a:p>
@@ -8886,7 +8886,7 @@
             </p:txBody>
           </p:sp>
         </mc:Choice>
-        <mc:Fallback xmlns="">
+        <mc:Fallback>
           <p:sp>
             <p:nvSpPr>
               <p:cNvPr id="3" name="Content Placeholder 2">

--- a/236802/ARL presentation.pptx
+++ b/236802/ARL presentation.pptx
@@ -738,7 +738,7 @@
           <a:p>
             <a:fld id="{2942B52E-AAA8-43C8-B328-AD22BB1092E1}" type="datetimeFigureOut">
               <a:rPr lang="en-US" smtClean="0"/>
-              <a:t>6/9/21</a:t>
+              <a:t>6/10/21</a:t>
             </a:fld>
             <a:endParaRPr lang="en-US"/>
           </a:p>
@@ -938,7 +938,7 @@
           <a:p>
             <a:fld id="{2942B52E-AAA8-43C8-B328-AD22BB1092E1}" type="datetimeFigureOut">
               <a:rPr lang="en-US" smtClean="0"/>
-              <a:t>6/9/21</a:t>
+              <a:t>6/10/21</a:t>
             </a:fld>
             <a:endParaRPr lang="en-US"/>
           </a:p>
@@ -1148,7 +1148,7 @@
           <a:p>
             <a:fld id="{2942B52E-AAA8-43C8-B328-AD22BB1092E1}" type="datetimeFigureOut">
               <a:rPr lang="en-US" smtClean="0"/>
-              <a:t>6/9/21</a:t>
+              <a:t>6/10/21</a:t>
             </a:fld>
             <a:endParaRPr lang="en-US"/>
           </a:p>
@@ -1348,7 +1348,7 @@
           <a:p>
             <a:fld id="{2942B52E-AAA8-43C8-B328-AD22BB1092E1}" type="datetimeFigureOut">
               <a:rPr lang="en-US" smtClean="0"/>
-              <a:t>6/9/21</a:t>
+              <a:t>6/10/21</a:t>
             </a:fld>
             <a:endParaRPr lang="en-US"/>
           </a:p>
@@ -1624,7 +1624,7 @@
           <a:p>
             <a:fld id="{2942B52E-AAA8-43C8-B328-AD22BB1092E1}" type="datetimeFigureOut">
               <a:rPr lang="en-US" smtClean="0"/>
-              <a:t>6/9/21</a:t>
+              <a:t>6/10/21</a:t>
             </a:fld>
             <a:endParaRPr lang="en-US"/>
           </a:p>
@@ -1892,7 +1892,7 @@
           <a:p>
             <a:fld id="{2942B52E-AAA8-43C8-B328-AD22BB1092E1}" type="datetimeFigureOut">
               <a:rPr lang="en-US" smtClean="0"/>
-              <a:t>6/9/21</a:t>
+              <a:t>6/10/21</a:t>
             </a:fld>
             <a:endParaRPr lang="en-US"/>
           </a:p>
@@ -2307,7 +2307,7 @@
           <a:p>
             <a:fld id="{2942B52E-AAA8-43C8-B328-AD22BB1092E1}" type="datetimeFigureOut">
               <a:rPr lang="en-US" smtClean="0"/>
-              <a:t>6/9/21</a:t>
+              <a:t>6/10/21</a:t>
             </a:fld>
             <a:endParaRPr lang="en-US"/>
           </a:p>
@@ -2449,7 +2449,7 @@
           <a:p>
             <a:fld id="{2942B52E-AAA8-43C8-B328-AD22BB1092E1}" type="datetimeFigureOut">
               <a:rPr lang="en-US" smtClean="0"/>
-              <a:t>6/9/21</a:t>
+              <a:t>6/10/21</a:t>
             </a:fld>
             <a:endParaRPr lang="en-US"/>
           </a:p>
@@ -2562,7 +2562,7 @@
           <a:p>
             <a:fld id="{2942B52E-AAA8-43C8-B328-AD22BB1092E1}" type="datetimeFigureOut">
               <a:rPr lang="en-US" smtClean="0"/>
-              <a:t>6/9/21</a:t>
+              <a:t>6/10/21</a:t>
             </a:fld>
             <a:endParaRPr lang="en-US"/>
           </a:p>
@@ -2875,7 +2875,7 @@
           <a:p>
             <a:fld id="{2942B52E-AAA8-43C8-B328-AD22BB1092E1}" type="datetimeFigureOut">
               <a:rPr lang="en-US" smtClean="0"/>
-              <a:t>6/9/21</a:t>
+              <a:t>6/10/21</a:t>
             </a:fld>
             <a:endParaRPr lang="en-US"/>
           </a:p>
@@ -3164,7 +3164,7 @@
           <a:p>
             <a:fld id="{2942B52E-AAA8-43C8-B328-AD22BB1092E1}" type="datetimeFigureOut">
               <a:rPr lang="en-US" smtClean="0"/>
-              <a:t>6/9/21</a:t>
+              <a:t>6/10/21</a:t>
             </a:fld>
             <a:endParaRPr lang="en-US"/>
           </a:p>
@@ -3407,7 +3407,7 @@
           <a:p>
             <a:fld id="{2942B52E-AAA8-43C8-B328-AD22BB1092E1}" type="datetimeFigureOut">
               <a:rPr lang="en-US" smtClean="0"/>
-              <a:t>6/9/21</a:t>
+              <a:t>6/10/21</a:t>
             </a:fld>
             <a:endParaRPr lang="en-US"/>
           </a:p>
@@ -4061,78 +4061,6 @@
                 </a:r>
               </a:p>
               <a:p>
-                <a:pPr algn="l" rtl="0"/>
-                <a14:m>
-                  <m:oMath xmlns:m="http://schemas.openxmlformats.org/officeDocument/2006/math">
-                    <m:sSubSup>
-                      <m:sSubSupPr>
-                        <m:ctrlPr>
-                          <a:rPr lang="en-US" i="1">
-                            <a:latin typeface="Cambria Math" panose="02040503050406030204" pitchFamily="18" charset="0"/>
-                          </a:rPr>
-                        </m:ctrlPr>
-                      </m:sSubSupPr>
-                      <m:e>
-                        <m:r>
-                          <a:rPr lang="en-US" i="1">
-                            <a:latin typeface="Cambria Math" panose="02040503050406030204" pitchFamily="18" charset="0"/>
-                          </a:rPr>
-                          <m:t>𝑥</m:t>
-                        </m:r>
-                      </m:e>
-                      <m:sub>
-                        <m:r>
-                          <a:rPr lang="en-US" i="1">
-                            <a:latin typeface="Cambria Math" panose="02040503050406030204" pitchFamily="18" charset="0"/>
-                          </a:rPr>
-                          <m:t>𝑖</m:t>
-                        </m:r>
-                      </m:sub>
-                      <m:sup>
-                        <m:r>
-                          <a:rPr lang="en-US" i="1">
-                            <a:latin typeface="Cambria Math" panose="02040503050406030204" pitchFamily="18" charset="0"/>
-                          </a:rPr>
-                          <m:t>𝑗</m:t>
-                        </m:r>
-                      </m:sup>
-                    </m:sSubSup>
-                  </m:oMath>
-                </a14:m>
-                <a:r>
-                  <a:rPr lang="en-IL" dirty="0"/>
-                  <a:t> - the </a:t>
-                </a:r>
-                <a14:m>
-                  <m:oMath xmlns:m="http://schemas.openxmlformats.org/officeDocument/2006/math">
-                    <m:r>
-                      <a:rPr lang="en-US" i="1">
-                        <a:latin typeface="Cambria Math" panose="02040503050406030204" pitchFamily="18" charset="0"/>
-                      </a:rPr>
-                      <m:t>𝑗</m:t>
-                    </m:r>
-                  </m:oMath>
-                </a14:m>
-                <a:r>
-                  <a:rPr lang="en-IL" dirty="0"/>
-                  <a:t>-th feature of the </a:t>
-                </a:r>
-                <a14:m>
-                  <m:oMath xmlns:m="http://schemas.openxmlformats.org/officeDocument/2006/math">
-                    <m:r>
-                      <a:rPr lang="en-US" b="0" i="1" smtClean="0">
-                        <a:latin typeface="Cambria Math" panose="02040503050406030204" pitchFamily="18" charset="0"/>
-                      </a:rPr>
-                      <m:t>𝑖</m:t>
-                    </m:r>
-                  </m:oMath>
-                </a14:m>
-                <a:r>
-                  <a:rPr lang="en-IL" dirty="0"/>
-                  <a:t>-th sample.</a:t>
-                </a:r>
-              </a:p>
-              <a:p>
                 <a:pPr marL="0" indent="0" algn="l" rtl="0">
                   <a:buNone/>
                 </a:pPr>
@@ -4277,9 +4205,31 @@
                 <a:pPr marL="0" indent="0" algn="l" rtl="0">
                   <a:buNone/>
                 </a:pPr>
+                <a:endParaRPr lang="en-IL" dirty="0"/>
+              </a:p>
+              <a:p>
+                <a:pPr marL="0" indent="0" algn="l" rtl="0">
+                  <a:buNone/>
+                </a:pPr>
                 <a:r>
                   <a:rPr lang="en-IL" dirty="0"/>
-                  <a:t>The adversary will maximazie the correlation </a:t>
+                  <a:t>The </a:t>
+                </a:r>
+                <a:r>
+                  <a:rPr lang="en-IL" u="sng" dirty="0"/>
+                  <a:t>adversary</a:t>
+                </a:r>
+                <a:r>
+                  <a:rPr lang="en-IL" dirty="0"/>
+                  <a:t> will </a:t>
+                </a:r>
+                <a:r>
+                  <a:rPr lang="en-IL" u="sng" dirty="0"/>
+                  <a:t>maximazie</a:t>
+                </a:r>
+                <a:r>
+                  <a:rPr lang="en-IL" dirty="0"/>
+                  <a:t> the correlation </a:t>
                 </a:r>
                 <a14:m>
                   <m:oMath xmlns:m="http://schemas.openxmlformats.org/officeDocument/2006/math">
@@ -4472,7 +4422,23 @@
                 </a:pPr>
                 <a:r>
                   <a:rPr lang="en-IL" dirty="0"/>
-                  <a:t>The learner will minimize the correlation </a:t>
+                  <a:t>The </a:t>
+                </a:r>
+                <a:r>
+                  <a:rPr lang="en-IL" u="sng" dirty="0"/>
+                  <a:t>learner</a:t>
+                </a:r>
+                <a:r>
+                  <a:rPr lang="en-IL" dirty="0"/>
+                  <a:t> will </a:t>
+                </a:r>
+                <a:r>
+                  <a:rPr lang="en-IL" u="sng" dirty="0"/>
+                  <a:t>minimize</a:t>
+                </a:r>
+                <a:r>
+                  <a:rPr lang="en-IL" dirty="0"/>
+                  <a:t> the correlation </a:t>
                 </a:r>
                 <a14:m>
                   <m:oMath xmlns:m="http://schemas.openxmlformats.org/officeDocument/2006/math">
@@ -5561,10 +5527,16 @@
                       </m:sub>
                       <m:sup>
                         <m:r>
-                          <a:rPr lang="en-US" i="1">
+                          <a:rPr lang="en-US" b="0" i="1" smtClean="0">
                             <a:latin typeface="Cambria Math" panose="02040503050406030204" pitchFamily="18" charset="0"/>
                           </a:rPr>
-                          <m:t>𝑘</m:t>
+                          <m:t>𝐾</m:t>
+                        </m:r>
+                        <m:r>
+                          <a:rPr lang="en-US" b="0" i="1" smtClean="0">
+                            <a:latin typeface="Cambria Math" panose="02040503050406030204" pitchFamily="18" charset="0"/>
+                          </a:rPr>
+                          <m:t>−1</m:t>
                         </m:r>
                       </m:sup>
                     </m:sSubSup>
@@ -5863,8 +5835,8 @@
           </a:p>
         </p:txBody>
       </p:sp>
-      <mc:AlternateContent xmlns:mc="http://schemas.openxmlformats.org/markup-compatibility/2006">
-        <mc:Choice xmlns:a14="http://schemas.microsoft.com/office/drawing/2010/main" Requires="a14">
+      <mc:AlternateContent xmlns:mc="http://schemas.openxmlformats.org/markup-compatibility/2006" xmlns:a14="http://schemas.microsoft.com/office/drawing/2010/main">
+        <mc:Choice Requires="a14">
           <p:sp>
             <p:nvSpPr>
               <p:cNvPr id="3" name="Content Placeholder 2">
@@ -6546,7 +6518,7 @@
             </p:txBody>
           </p:sp>
         </mc:Choice>
-        <mc:Fallback>
+        <mc:Fallback xmlns="">
           <p:sp>
             <p:nvSpPr>
               <p:cNvPr id="3" name="Content Placeholder 2">
@@ -7406,8 +7378,8 @@
           </a:p>
         </p:txBody>
       </p:sp>
-      <mc:AlternateContent xmlns:mc="http://schemas.openxmlformats.org/markup-compatibility/2006">
-        <mc:Choice xmlns:a14="http://schemas.microsoft.com/office/drawing/2010/main" Requires="a14">
+      <mc:AlternateContent xmlns:mc="http://schemas.openxmlformats.org/markup-compatibility/2006" xmlns:a14="http://schemas.microsoft.com/office/drawing/2010/main">
+        <mc:Choice Requires="a14">
           <p:sp>
             <p:nvSpPr>
               <p:cNvPr id="3" name="Content Placeholder 2">
@@ -7777,7 +7749,7 @@
             </p:txBody>
           </p:sp>
         </mc:Choice>
-        <mc:Fallback>
+        <mc:Fallback xmlns="">
           <p:sp>
             <p:nvSpPr>
               <p:cNvPr id="3" name="Content Placeholder 2">
@@ -7851,8 +7823,8 @@
           <a:chExt cx="0" cy="0"/>
         </a:xfrm>
       </p:grpSpPr>
-      <mc:AlternateContent xmlns:mc="http://schemas.openxmlformats.org/markup-compatibility/2006">
-        <mc:Choice xmlns:a14="http://schemas.microsoft.com/office/drawing/2010/main" Requires="a14">
+      <mc:AlternateContent xmlns:mc="http://schemas.openxmlformats.org/markup-compatibility/2006" xmlns:a14="http://schemas.microsoft.com/office/drawing/2010/main">
+        <mc:Choice Requires="a14">
           <p:sp>
             <p:nvSpPr>
               <p:cNvPr id="7" name="Text Placeholder 6">
@@ -8055,7 +8027,7 @@
             </p:txBody>
           </p:sp>
         </mc:Choice>
-        <mc:Fallback>
+        <mc:Fallback xmlns="">
           <p:sp>
             <p:nvSpPr>
               <p:cNvPr id="7" name="Text Placeholder 6">
@@ -8604,8 +8576,8 @@
           </a:p>
         </p:txBody>
       </p:sp>
-      <mc:AlternateContent xmlns:mc="http://schemas.openxmlformats.org/markup-compatibility/2006">
-        <mc:Choice xmlns:a14="http://schemas.microsoft.com/office/drawing/2010/main" Requires="a14">
+      <mc:AlternateContent xmlns:mc="http://schemas.openxmlformats.org/markup-compatibility/2006" xmlns:a14="http://schemas.microsoft.com/office/drawing/2010/main">
+        <mc:Choice Requires="a14">
           <p:sp>
             <p:nvSpPr>
               <p:cNvPr id="3" name="Content Placeholder 2">
@@ -8886,7 +8858,7 @@
             </p:txBody>
           </p:sp>
         </mc:Choice>
-        <mc:Fallback>
+        <mc:Fallback xmlns="">
           <p:sp>
             <p:nvSpPr>
               <p:cNvPr id="3" name="Content Placeholder 2">
@@ -8986,8 +8958,8 @@
           </a:p>
         </p:txBody>
       </p:sp>
-      <mc:AlternateContent xmlns:mc="http://schemas.openxmlformats.org/markup-compatibility/2006">
-        <mc:Choice xmlns:a14="http://schemas.microsoft.com/office/drawing/2010/main" Requires="a14">
+      <mc:AlternateContent xmlns:mc="http://schemas.openxmlformats.org/markup-compatibility/2006" xmlns:a14="http://schemas.microsoft.com/office/drawing/2010/main">
+        <mc:Choice Requires="a14">
           <p:sp>
             <p:nvSpPr>
               <p:cNvPr id="3" name="Content Placeholder 2">
@@ -9447,7 +9419,7 @@
             </p:txBody>
           </p:sp>
         </mc:Choice>
-        <mc:Fallback>
+        <mc:Fallback xmlns="">
           <p:sp>
             <p:nvSpPr>
               <p:cNvPr id="3" name="Content Placeholder 2">

--- a/236802/ARL presentation.pptx
+++ b/236802/ARL presentation.pptx
@@ -237,7 +237,7 @@
           <a:p>
             <a:fld id="{3DAD7CA2-2764-2646-99F8-9777240DE90E}" type="datetimeFigureOut">
               <a:rPr lang="en-IL" smtClean="0"/>
-              <a:t>10/06/2021</a:t>
+              <a:t>13/06/2021</a:t>
             </a:fld>
             <a:endParaRPr lang="en-IL"/>
           </a:p>
@@ -738,7 +738,7 @@
           <a:p>
             <a:fld id="{2942B52E-AAA8-43C8-B328-AD22BB1092E1}" type="datetimeFigureOut">
               <a:rPr lang="en-US" smtClean="0"/>
-              <a:t>6/10/21</a:t>
+              <a:t>6/13/21</a:t>
             </a:fld>
             <a:endParaRPr lang="en-US"/>
           </a:p>
@@ -938,7 +938,7 @@
           <a:p>
             <a:fld id="{2942B52E-AAA8-43C8-B328-AD22BB1092E1}" type="datetimeFigureOut">
               <a:rPr lang="en-US" smtClean="0"/>
-              <a:t>6/10/21</a:t>
+              <a:t>6/13/21</a:t>
             </a:fld>
             <a:endParaRPr lang="en-US"/>
           </a:p>
@@ -1148,7 +1148,7 @@
           <a:p>
             <a:fld id="{2942B52E-AAA8-43C8-B328-AD22BB1092E1}" type="datetimeFigureOut">
               <a:rPr lang="en-US" smtClean="0"/>
-              <a:t>6/10/21</a:t>
+              <a:t>6/13/21</a:t>
             </a:fld>
             <a:endParaRPr lang="en-US"/>
           </a:p>
@@ -1348,7 +1348,7 @@
           <a:p>
             <a:fld id="{2942B52E-AAA8-43C8-B328-AD22BB1092E1}" type="datetimeFigureOut">
               <a:rPr lang="en-US" smtClean="0"/>
-              <a:t>6/10/21</a:t>
+              <a:t>6/13/21</a:t>
             </a:fld>
             <a:endParaRPr lang="en-US"/>
           </a:p>
@@ -1624,7 +1624,7 @@
           <a:p>
             <a:fld id="{2942B52E-AAA8-43C8-B328-AD22BB1092E1}" type="datetimeFigureOut">
               <a:rPr lang="en-US" smtClean="0"/>
-              <a:t>6/10/21</a:t>
+              <a:t>6/13/21</a:t>
             </a:fld>
             <a:endParaRPr lang="en-US"/>
           </a:p>
@@ -1892,7 +1892,7 @@
           <a:p>
             <a:fld id="{2942B52E-AAA8-43C8-B328-AD22BB1092E1}" type="datetimeFigureOut">
               <a:rPr lang="en-US" smtClean="0"/>
-              <a:t>6/10/21</a:t>
+              <a:t>6/13/21</a:t>
             </a:fld>
             <a:endParaRPr lang="en-US"/>
           </a:p>
@@ -2307,7 +2307,7 @@
           <a:p>
             <a:fld id="{2942B52E-AAA8-43C8-B328-AD22BB1092E1}" type="datetimeFigureOut">
               <a:rPr lang="en-US" smtClean="0"/>
-              <a:t>6/10/21</a:t>
+              <a:t>6/13/21</a:t>
             </a:fld>
             <a:endParaRPr lang="en-US"/>
           </a:p>
@@ -2449,7 +2449,7 @@
           <a:p>
             <a:fld id="{2942B52E-AAA8-43C8-B328-AD22BB1092E1}" type="datetimeFigureOut">
               <a:rPr lang="en-US" smtClean="0"/>
-              <a:t>6/10/21</a:t>
+              <a:t>6/13/21</a:t>
             </a:fld>
             <a:endParaRPr lang="en-US"/>
           </a:p>
@@ -2562,7 +2562,7 @@
           <a:p>
             <a:fld id="{2942B52E-AAA8-43C8-B328-AD22BB1092E1}" type="datetimeFigureOut">
               <a:rPr lang="en-US" smtClean="0"/>
-              <a:t>6/10/21</a:t>
+              <a:t>6/13/21</a:t>
             </a:fld>
             <a:endParaRPr lang="en-US"/>
           </a:p>
@@ -2875,7 +2875,7 @@
           <a:p>
             <a:fld id="{2942B52E-AAA8-43C8-B328-AD22BB1092E1}" type="datetimeFigureOut">
               <a:rPr lang="en-US" smtClean="0"/>
-              <a:t>6/10/21</a:t>
+              <a:t>6/13/21</a:t>
             </a:fld>
             <a:endParaRPr lang="en-US"/>
           </a:p>
@@ -3164,7 +3164,7 @@
           <a:p>
             <a:fld id="{2942B52E-AAA8-43C8-B328-AD22BB1092E1}" type="datetimeFigureOut">
               <a:rPr lang="en-US" smtClean="0"/>
-              <a:t>6/10/21</a:t>
+              <a:t>6/13/21</a:t>
             </a:fld>
             <a:endParaRPr lang="en-US"/>
           </a:p>
@@ -3407,7 +3407,7 @@
           <a:p>
             <a:fld id="{2942B52E-AAA8-43C8-B328-AD22BB1092E1}" type="datetimeFigureOut">
               <a:rPr lang="en-US" smtClean="0"/>
-              <a:t>6/10/21</a:t>
+              <a:t>6/13/21</a:t>
             </a:fld>
             <a:endParaRPr lang="en-US"/>
           </a:p>
@@ -3956,8 +3956,8 @@
           </a:p>
         </p:txBody>
       </p:sp>
-      <mc:AlternateContent xmlns:mc="http://schemas.openxmlformats.org/markup-compatibility/2006">
-        <mc:Choice xmlns:a14="http://schemas.microsoft.com/office/drawing/2010/main" Requires="a14">
+      <mc:AlternateContent xmlns:mc="http://schemas.openxmlformats.org/markup-compatibility/2006" xmlns:a14="http://schemas.microsoft.com/office/drawing/2010/main">
+        <mc:Choice Requires="a14">
           <p:sp>
             <p:nvSpPr>
               <p:cNvPr id="3" name="Content Placeholder 2">
@@ -4652,7 +4652,7 @@
             </p:txBody>
           </p:sp>
         </mc:Choice>
-        <mc:Fallback>
+        <mc:Fallback xmlns="">
           <p:sp>
             <p:nvSpPr>
               <p:cNvPr id="3" name="Content Placeholder 2">
@@ -4783,7 +4783,7 @@
             </a:pPr>
             <a:r>
               <a:rPr lang="en-IL" dirty="0"/>
-              <a:t>Results averaged over 15 seeds.</a:t>
+              <a:t>Results averaged over 15 seeds:</a:t>
             </a:r>
           </a:p>
         </p:txBody>
@@ -4815,7 +4815,7 @@
         </p:blipFill>
         <p:spPr>
           <a:xfrm>
-            <a:off x="1651000" y="4682728"/>
+            <a:off x="1549400" y="4743556"/>
             <a:ext cx="9093200" cy="1568344"/>
           </a:xfrm>
           <a:prstGeom prst="rect">
@@ -5139,8 +5139,8 @@
           </a:p>
         </p:txBody>
       </p:sp>
-      <mc:AlternateContent xmlns:mc="http://schemas.openxmlformats.org/markup-compatibility/2006">
-        <mc:Choice xmlns:a14="http://schemas.microsoft.com/office/drawing/2010/main" Requires="a14">
+      <mc:AlternateContent xmlns:mc="http://schemas.openxmlformats.org/markup-compatibility/2006" xmlns:a14="http://schemas.microsoft.com/office/drawing/2010/main">
+        <mc:Choice Requires="a14">
           <p:sp>
             <p:nvSpPr>
               <p:cNvPr id="3" name="Content Placeholder 2">
@@ -5544,7 +5544,7 @@
                 </a14:m>
                 <a:r>
                   <a:rPr lang="en-US" dirty="0"/>
-                  <a:t>.</a:t>
+                  <a:t> (e.g., white females).</a:t>
                 </a:r>
               </a:p>
               <a:p>
@@ -5731,7 +5731,7 @@
             </p:txBody>
           </p:sp>
         </mc:Choice>
-        <mc:Fallback>
+        <mc:Fallback xmlns="">
           <p:sp>
             <p:nvSpPr>
               <p:cNvPr id="3" name="Content Placeholder 2">
@@ -7823,8 +7823,8 @@
           <a:chExt cx="0" cy="0"/>
         </a:xfrm>
       </p:grpSpPr>
-      <mc:AlternateContent xmlns:mc="http://schemas.openxmlformats.org/markup-compatibility/2006" xmlns:a14="http://schemas.microsoft.com/office/drawing/2010/main">
-        <mc:Choice Requires="a14">
+      <mc:AlternateContent xmlns:mc="http://schemas.openxmlformats.org/markup-compatibility/2006">
+        <mc:Choice xmlns:a14="http://schemas.microsoft.com/office/drawing/2010/main" Requires="a14">
           <p:sp>
             <p:nvSpPr>
               <p:cNvPr id="7" name="Text Placeholder 6">
@@ -7843,13 +7843,13 @@
             </p:nvSpPr>
             <p:spPr>
               <a:xfrm>
-                <a:off x="839788" y="2057399"/>
-                <a:ext cx="5183188" cy="4704347"/>
+                <a:off x="839787" y="2057399"/>
+                <a:ext cx="6050409" cy="4704347"/>
               </a:xfrm>
             </p:spPr>
             <p:txBody>
               <a:bodyPr>
-                <a:normAutofit lnSpcReduction="10000"/>
+                <a:normAutofit/>
               </a:bodyPr>
               <a:lstStyle/>
               <a:p>
@@ -8014,7 +8014,7 @@
                 </a:pPr>
                 <a:r>
                   <a:rPr lang="en-US" sz="2400" dirty="0"/>
-                  <a:t>In an ideal scenario where the learner is fair across all protected groups, the adversary will suggest equal weights for all samples.</a:t>
+                  <a:t>In an ideal scenario where the learner is fair across all protected groups, all subgroups will be indistinguishable to the adversary.</a:t>
                 </a:r>
               </a:p>
               <a:p>
@@ -8027,7 +8027,7 @@
             </p:txBody>
           </p:sp>
         </mc:Choice>
-        <mc:Fallback xmlns="">
+        <mc:Fallback>
           <p:sp>
             <p:nvSpPr>
               <p:cNvPr id="7" name="Text Placeholder 6">
@@ -8046,13 +8046,13 @@
             </p:nvSpPr>
             <p:spPr>
               <a:xfrm>
-                <a:off x="839788" y="2057399"/>
-                <a:ext cx="5183188" cy="4704347"/>
+                <a:off x="839787" y="2057399"/>
+                <a:ext cx="6050409" cy="4704347"/>
               </a:xfrm>
               <a:blipFill>
                 <a:blip r:embed="rId2"/>
                 <a:stretch>
-                  <a:fillRect l="-1711" t="-2151"/>
+                  <a:fillRect l="-1468" t="-1344" r="-2096"/>
                 </a:stretch>
               </a:blipFill>
             </p:spPr>
